--- a/EDA_Automobile_Data.pptx
+++ b/EDA_Automobile_Data.pptx
@@ -11,6 +11,16 @@
     <p:sldId id="258" r:id="rId5"/>
     <p:sldId id="259" r:id="rId6"/>
     <p:sldId id="261" r:id="rId7"/>
+    <p:sldId id="262" r:id="rId8"/>
+    <p:sldId id="263" r:id="rId9"/>
+    <p:sldId id="264" r:id="rId10"/>
+    <p:sldId id="265" r:id="rId11"/>
+    <p:sldId id="266" r:id="rId12"/>
+    <p:sldId id="267" r:id="rId13"/>
+    <p:sldId id="268" r:id="rId14"/>
+    <p:sldId id="269" r:id="rId15"/>
+    <p:sldId id="270" r:id="rId16"/>
+    <p:sldId id="271" r:id="rId17"/>
   </p:sldIdLst>
   <p:sldSz cx="9144000" cy="6858000" type="screen4x3"/>
   <p:notesSz cx="6858000" cy="9144000"/>
@@ -294,7 +304,7 @@
             <a:fld id="{1D8BD707-D9CF-40AE-B4C6-C98DA3205C09}" type="datetimeFigureOut">
               <a:rPr lang="en-US" smtClean="0"/>
               <a:pPr/>
-              <a:t>9/24/2018</a:t>
+              <a:t>9/26/2018</a:t>
             </a:fld>
             <a:endParaRPr lang="en-US"/>
           </a:p>
@@ -461,7 +471,7 @@
             <a:fld id="{1D8BD707-D9CF-40AE-B4C6-C98DA3205C09}" type="datetimeFigureOut">
               <a:rPr lang="en-US" smtClean="0"/>
               <a:pPr/>
-              <a:t>9/24/2018</a:t>
+              <a:t>9/26/2018</a:t>
             </a:fld>
             <a:endParaRPr lang="en-US"/>
           </a:p>
@@ -638,7 +648,7 @@
             <a:fld id="{1D8BD707-D9CF-40AE-B4C6-C98DA3205C09}" type="datetimeFigureOut">
               <a:rPr lang="en-US" smtClean="0"/>
               <a:pPr/>
-              <a:t>9/24/2018</a:t>
+              <a:t>9/26/2018</a:t>
             </a:fld>
             <a:endParaRPr lang="en-US"/>
           </a:p>
@@ -805,7 +815,7 @@
             <a:fld id="{1D8BD707-D9CF-40AE-B4C6-C98DA3205C09}" type="datetimeFigureOut">
               <a:rPr lang="en-US" smtClean="0"/>
               <a:pPr/>
-              <a:t>9/24/2018</a:t>
+              <a:t>9/26/2018</a:t>
             </a:fld>
             <a:endParaRPr lang="en-US"/>
           </a:p>
@@ -1048,7 +1058,7 @@
             <a:fld id="{1D8BD707-D9CF-40AE-B4C6-C98DA3205C09}" type="datetimeFigureOut">
               <a:rPr lang="en-US" smtClean="0"/>
               <a:pPr/>
-              <a:t>9/24/2018</a:t>
+              <a:t>9/26/2018</a:t>
             </a:fld>
             <a:endParaRPr lang="en-US"/>
           </a:p>
@@ -1333,7 +1343,7 @@
             <a:fld id="{1D8BD707-D9CF-40AE-B4C6-C98DA3205C09}" type="datetimeFigureOut">
               <a:rPr lang="en-US" smtClean="0"/>
               <a:pPr/>
-              <a:t>9/24/2018</a:t>
+              <a:t>9/26/2018</a:t>
             </a:fld>
             <a:endParaRPr lang="en-US"/>
           </a:p>
@@ -1752,7 +1762,7 @@
             <a:fld id="{1D8BD707-D9CF-40AE-B4C6-C98DA3205C09}" type="datetimeFigureOut">
               <a:rPr lang="en-US" smtClean="0"/>
               <a:pPr/>
-              <a:t>9/24/2018</a:t>
+              <a:t>9/26/2018</a:t>
             </a:fld>
             <a:endParaRPr lang="en-US"/>
           </a:p>
@@ -1867,7 +1877,7 @@
             <a:fld id="{1D8BD707-D9CF-40AE-B4C6-C98DA3205C09}" type="datetimeFigureOut">
               <a:rPr lang="en-US" smtClean="0"/>
               <a:pPr/>
-              <a:t>9/24/2018</a:t>
+              <a:t>9/26/2018</a:t>
             </a:fld>
             <a:endParaRPr lang="en-US"/>
           </a:p>
@@ -1959,7 +1969,7 @@
             <a:fld id="{1D8BD707-D9CF-40AE-B4C6-C98DA3205C09}" type="datetimeFigureOut">
               <a:rPr lang="en-US" smtClean="0"/>
               <a:pPr/>
-              <a:t>9/24/2018</a:t>
+              <a:t>9/26/2018</a:t>
             </a:fld>
             <a:endParaRPr lang="en-US"/>
           </a:p>
@@ -2233,7 +2243,7 @@
             <a:fld id="{1D8BD707-D9CF-40AE-B4C6-C98DA3205C09}" type="datetimeFigureOut">
               <a:rPr lang="en-US" smtClean="0"/>
               <a:pPr/>
-              <a:t>9/24/2018</a:t>
+              <a:t>9/26/2018</a:t>
             </a:fld>
             <a:endParaRPr lang="en-US"/>
           </a:p>
@@ -2483,7 +2493,7 @@
             <a:fld id="{1D8BD707-D9CF-40AE-B4C6-C98DA3205C09}" type="datetimeFigureOut">
               <a:rPr lang="en-US" smtClean="0"/>
               <a:pPr/>
-              <a:t>9/24/2018</a:t>
+              <a:t>9/26/2018</a:t>
             </a:fld>
             <a:endParaRPr lang="en-US"/>
           </a:p>
@@ -2693,7 +2703,7 @@
             <a:fld id="{1D8BD707-D9CF-40AE-B4C6-C98DA3205C09}" type="datetimeFigureOut">
               <a:rPr lang="en-US" smtClean="0"/>
               <a:pPr/>
-              <a:t>9/24/2018</a:t>
+              <a:t>9/26/2018</a:t>
             </a:fld>
             <a:endParaRPr lang="en-US"/>
           </a:p>
@@ -3348,6 +3358,1589 @@
 </p:sld>
 </file>
 
+<file path=ppt/slides/slide10.xml><?xml version="1.0" encoding="utf-8"?>
+<p:sld xmlns:a="http://schemas.openxmlformats.org/drawingml/2006/main" xmlns:r="http://schemas.openxmlformats.org/officeDocument/2006/relationships" xmlns:p="http://schemas.openxmlformats.org/presentationml/2006/main">
+  <p:cSld>
+    <p:spTree>
+      <p:nvGrpSpPr>
+        <p:cNvPr id="1" name=""/>
+        <p:cNvGrpSpPr/>
+        <p:nvPr/>
+      </p:nvGrpSpPr>
+      <p:grpSpPr>
+        <a:xfrm>
+          <a:off x="0" y="0"/>
+          <a:ext cx="0" cy="0"/>
+          <a:chOff x="0" y="0"/>
+          <a:chExt cx="0" cy="0"/>
+        </a:xfrm>
+      </p:grpSpPr>
+      <p:sp>
+        <p:nvSpPr>
+          <p:cNvPr id="2" name="Title 1"/>
+          <p:cNvSpPr txBox="1">
+            <a:spLocks/>
+          </p:cNvSpPr>
+          <p:nvPr/>
+        </p:nvSpPr>
+        <p:spPr>
+          <a:xfrm>
+            <a:off x="0" y="152400"/>
+            <a:ext cx="9144000" cy="1143000"/>
+          </a:xfrm>
+          <a:prstGeom prst="rect">
+            <a:avLst/>
+          </a:prstGeom>
+          <a:solidFill>
+            <a:schemeClr val="tx1">
+              <a:lumMod val="85000"/>
+              <a:lumOff val="15000"/>
+            </a:schemeClr>
+          </a:solidFill>
+        </p:spPr>
+        <p:txBody>
+          <a:bodyPr vert="horz" lIns="91440" tIns="45720" rIns="91440" bIns="45720" rtlCol="0" anchor="ctr">
+            <a:normAutofit/>
+          </a:bodyPr>
+          <a:lstStyle/>
+          <a:p>
+            <a:pPr lvl="0" algn="ctr">
+              <a:spcBef>
+                <a:spcPct val="0"/>
+              </a:spcBef>
+              <a:defRPr/>
+            </a:pPr>
+            <a:r>
+              <a:rPr lang="en-PH" sz="3200" dirty="0" smtClean="0">
+                <a:solidFill>
+                  <a:schemeClr val="tx2">
+                    <a:lumMod val="40000"/>
+                    <a:lumOff val="60000"/>
+                  </a:schemeClr>
+                </a:solidFill>
+                <a:latin typeface="Arial Black" pitchFamily="34" charset="0"/>
+                <a:ea typeface="+mj-ea"/>
+                <a:cs typeface="+mj-cs"/>
+              </a:rPr>
+              <a:t>Price and Engine size</a:t>
+            </a:r>
+            <a:endParaRPr kumimoji="0" lang="en-PH" sz="3200" b="0" i="0" u="none" strike="noStrike" kern="1200" cap="none" spc="0" normalizeH="0" baseline="0" noProof="0" dirty="0">
+              <a:ln>
+                <a:noFill/>
+              </a:ln>
+              <a:solidFill>
+                <a:schemeClr val="tx2">
+                  <a:lumMod val="40000"/>
+                  <a:lumOff val="60000"/>
+                </a:schemeClr>
+              </a:solidFill>
+              <a:effectLst/>
+              <a:uLnTx/>
+              <a:uFillTx/>
+              <a:latin typeface="Arial Black" pitchFamily="34" charset="0"/>
+              <a:ea typeface="+mj-ea"/>
+              <a:cs typeface="+mj-cs"/>
+            </a:endParaRPr>
+          </a:p>
+        </p:txBody>
+      </p:sp>
+      <p:pic>
+        <p:nvPicPr>
+          <p:cNvPr id="3" name="Picture 2" descr="engine.jfif"/>
+          <p:cNvPicPr>
+            <a:picLocks noChangeAspect="1"/>
+          </p:cNvPicPr>
+          <p:nvPr/>
+        </p:nvPicPr>
+        <p:blipFill>
+          <a:blip r:embed="rId2" cstate="print"/>
+          <a:stretch>
+            <a:fillRect/>
+          </a:stretch>
+        </p:blipFill>
+        <p:spPr>
+          <a:xfrm>
+            <a:off x="309249" y="3048000"/>
+            <a:ext cx="3348351" cy="1524000"/>
+          </a:xfrm>
+          <a:prstGeom prst="rect">
+            <a:avLst/>
+          </a:prstGeom>
+        </p:spPr>
+      </p:pic>
+      <p:pic>
+        <p:nvPicPr>
+          <p:cNvPr id="4" name="Picture 3" descr="PriceansEngineSizeScatterPlot.png"/>
+          <p:cNvPicPr>
+            <a:picLocks noChangeAspect="1"/>
+          </p:cNvPicPr>
+          <p:nvPr/>
+        </p:nvPicPr>
+        <p:blipFill>
+          <a:blip r:embed="rId3" cstate="print"/>
+          <a:stretch>
+            <a:fillRect/>
+          </a:stretch>
+        </p:blipFill>
+        <p:spPr>
+          <a:xfrm>
+            <a:off x="4053218" y="2438400"/>
+            <a:ext cx="4862182" cy="4114800"/>
+          </a:xfrm>
+          <a:prstGeom prst="rect">
+            <a:avLst/>
+          </a:prstGeom>
+        </p:spPr>
+      </p:pic>
+      <p:sp>
+        <p:nvSpPr>
+          <p:cNvPr id="5" name="TextBox 4"/>
+          <p:cNvSpPr txBox="1"/>
+          <p:nvPr/>
+        </p:nvSpPr>
+        <p:spPr>
+          <a:xfrm>
+            <a:off x="228600" y="1828800"/>
+            <a:ext cx="4495800" cy="1200329"/>
+          </a:xfrm>
+          <a:prstGeom prst="rect">
+            <a:avLst/>
+          </a:prstGeom>
+          <a:noFill/>
+        </p:spPr>
+        <p:txBody>
+          <a:bodyPr wrap="square" rtlCol="0">
+            <a:spAutoFit/>
+          </a:bodyPr>
+          <a:lstStyle/>
+          <a:p>
+            <a:r>
+              <a:rPr lang="en-PH" dirty="0" smtClean="0"/>
+              <a:t>Car is </a:t>
+            </a:r>
+            <a:r>
+              <a:rPr lang="en-PH" dirty="0" smtClean="0">
+                <a:solidFill>
+                  <a:srgbClr val="0070C0"/>
+                </a:solidFill>
+              </a:rPr>
+              <a:t>costlier when engine size is </a:t>
+            </a:r>
+            <a:r>
+              <a:rPr lang="en-PH" dirty="0" smtClean="0">
+                <a:solidFill>
+                  <a:srgbClr val="0070C0"/>
+                </a:solidFill>
+              </a:rPr>
+              <a:t>more</a:t>
+            </a:r>
+            <a:r>
+              <a:rPr lang="en-PH" dirty="0" smtClean="0"/>
+              <a:t>.</a:t>
+            </a:r>
+          </a:p>
+          <a:p>
+            <a:r>
+              <a:rPr lang="en-PH" dirty="0" smtClean="0">
+                <a:solidFill>
+                  <a:srgbClr val="0070C0"/>
+                </a:solidFill>
+              </a:rPr>
+              <a:t>Font engine cars</a:t>
+            </a:r>
+            <a:r>
+              <a:rPr lang="en-PH" dirty="0" smtClean="0"/>
+              <a:t> </a:t>
+            </a:r>
+            <a:r>
+              <a:rPr lang="en-PH" dirty="0" smtClean="0">
+                <a:solidFill>
+                  <a:srgbClr val="0070C0"/>
+                </a:solidFill>
+              </a:rPr>
+              <a:t>are less expensive </a:t>
+            </a:r>
+            <a:r>
+              <a:rPr lang="en-PH" dirty="0" smtClean="0"/>
+              <a:t>compare to </a:t>
+            </a:r>
+            <a:r>
+              <a:rPr lang="en-PH" dirty="0" smtClean="0">
+                <a:solidFill>
+                  <a:srgbClr val="0070C0"/>
+                </a:solidFill>
+              </a:rPr>
+              <a:t>Rear engine cars</a:t>
+            </a:r>
+          </a:p>
+          <a:p>
+            <a:endParaRPr lang="en-PH" dirty="0"/>
+          </a:p>
+        </p:txBody>
+      </p:sp>
+    </p:spTree>
+  </p:cSld>
+  <p:clrMapOvr>
+    <a:masterClrMapping/>
+  </p:clrMapOvr>
+  <p:timing>
+    <p:tnLst>
+      <p:par>
+        <p:cTn id="1" dur="indefinite" restart="never" nodeType="tmRoot"/>
+      </p:par>
+    </p:tnLst>
+  </p:timing>
+</p:sld>
+</file>
+
+<file path=ppt/slides/slide11.xml><?xml version="1.0" encoding="utf-8"?>
+<p:sld xmlns:a="http://schemas.openxmlformats.org/drawingml/2006/main" xmlns:r="http://schemas.openxmlformats.org/officeDocument/2006/relationships" xmlns:p="http://schemas.openxmlformats.org/presentationml/2006/main">
+  <p:cSld>
+    <p:spTree>
+      <p:nvGrpSpPr>
+        <p:cNvPr id="1" name=""/>
+        <p:cNvGrpSpPr/>
+        <p:nvPr/>
+      </p:nvGrpSpPr>
+      <p:grpSpPr>
+        <a:xfrm>
+          <a:off x="0" y="0"/>
+          <a:ext cx="0" cy="0"/>
+          <a:chOff x="0" y="0"/>
+          <a:chExt cx="0" cy="0"/>
+        </a:xfrm>
+      </p:grpSpPr>
+      <p:sp>
+        <p:nvSpPr>
+          <p:cNvPr id="2" name="Title 1"/>
+          <p:cNvSpPr txBox="1">
+            <a:spLocks/>
+          </p:cNvSpPr>
+          <p:nvPr/>
+        </p:nvSpPr>
+        <p:spPr>
+          <a:xfrm>
+            <a:off x="0" y="152400"/>
+            <a:ext cx="9144000" cy="1143000"/>
+          </a:xfrm>
+          <a:prstGeom prst="rect">
+            <a:avLst/>
+          </a:prstGeom>
+          <a:solidFill>
+            <a:schemeClr val="tx1">
+              <a:lumMod val="85000"/>
+              <a:lumOff val="15000"/>
+            </a:schemeClr>
+          </a:solidFill>
+        </p:spPr>
+        <p:txBody>
+          <a:bodyPr vert="horz" lIns="91440" tIns="45720" rIns="91440" bIns="45720" rtlCol="0" anchor="ctr">
+            <a:normAutofit/>
+          </a:bodyPr>
+          <a:lstStyle/>
+          <a:p>
+            <a:pPr lvl="0" algn="ctr">
+              <a:spcBef>
+                <a:spcPct val="0"/>
+              </a:spcBef>
+              <a:defRPr/>
+            </a:pPr>
+            <a:r>
+              <a:rPr lang="en-PH" sz="3200" dirty="0" smtClean="0">
+                <a:solidFill>
+                  <a:schemeClr val="tx2">
+                    <a:lumMod val="40000"/>
+                    <a:lumOff val="60000"/>
+                  </a:schemeClr>
+                </a:solidFill>
+                <a:latin typeface="Arial Black" pitchFamily="34" charset="0"/>
+                <a:ea typeface="+mj-ea"/>
+                <a:cs typeface="+mj-cs"/>
+              </a:rPr>
+              <a:t>Drive </a:t>
+            </a:r>
+            <a:r>
+              <a:rPr lang="en-PH" sz="3200" dirty="0" smtClean="0">
+                <a:solidFill>
+                  <a:schemeClr val="tx2">
+                    <a:lumMod val="40000"/>
+                    <a:lumOff val="60000"/>
+                  </a:schemeClr>
+                </a:solidFill>
+                <a:latin typeface="Arial Black" pitchFamily="34" charset="0"/>
+                <a:ea typeface="+mj-ea"/>
+                <a:cs typeface="+mj-cs"/>
+              </a:rPr>
+              <a:t>wheels, Body </a:t>
+            </a:r>
+            <a:r>
+              <a:rPr lang="en-PH" sz="3200" dirty="0" smtClean="0">
+                <a:solidFill>
+                  <a:schemeClr val="tx2">
+                    <a:lumMod val="40000"/>
+                    <a:lumOff val="60000"/>
+                  </a:schemeClr>
+                </a:solidFill>
+                <a:latin typeface="Arial Black" pitchFamily="34" charset="0"/>
+                <a:ea typeface="+mj-ea"/>
+                <a:cs typeface="+mj-cs"/>
+              </a:rPr>
+              <a:t>Style and Price</a:t>
+            </a:r>
+            <a:endParaRPr kumimoji="0" lang="en-PH" sz="3200" b="0" i="0" u="none" strike="noStrike" kern="1200" cap="none" spc="0" normalizeH="0" baseline="0" noProof="0" dirty="0">
+              <a:ln>
+                <a:noFill/>
+              </a:ln>
+              <a:solidFill>
+                <a:schemeClr val="tx2">
+                  <a:lumMod val="40000"/>
+                  <a:lumOff val="60000"/>
+                </a:schemeClr>
+              </a:solidFill>
+              <a:effectLst/>
+              <a:uLnTx/>
+              <a:uFillTx/>
+              <a:latin typeface="Arial Black" pitchFamily="34" charset="0"/>
+              <a:ea typeface="+mj-ea"/>
+              <a:cs typeface="+mj-cs"/>
+            </a:endParaRPr>
+          </a:p>
+        </p:txBody>
+      </p:sp>
+      <p:pic>
+        <p:nvPicPr>
+          <p:cNvPr id="3" name="Picture 2" descr="awd.jpg"/>
+          <p:cNvPicPr>
+            <a:picLocks noChangeAspect="1"/>
+          </p:cNvPicPr>
+          <p:nvPr/>
+        </p:nvPicPr>
+        <p:blipFill>
+          <a:blip r:embed="rId2" cstate="print"/>
+          <a:stretch>
+            <a:fillRect/>
+          </a:stretch>
+        </p:blipFill>
+        <p:spPr>
+          <a:xfrm>
+            <a:off x="228600" y="5105400"/>
+            <a:ext cx="2168203" cy="1447800"/>
+          </a:xfrm>
+          <a:prstGeom prst="rect">
+            <a:avLst/>
+          </a:prstGeom>
+        </p:spPr>
+      </p:pic>
+      <p:pic>
+        <p:nvPicPr>
+          <p:cNvPr id="4" name="Picture 3" descr="drivewheelandPriceBoxplot.png"/>
+          <p:cNvPicPr>
+            <a:picLocks noChangeAspect="1"/>
+          </p:cNvPicPr>
+          <p:nvPr/>
+        </p:nvPicPr>
+        <p:blipFill>
+          <a:blip r:embed="rId3" cstate="print"/>
+          <a:stretch>
+            <a:fillRect/>
+          </a:stretch>
+        </p:blipFill>
+        <p:spPr>
+          <a:xfrm>
+            <a:off x="457200" y="1371600"/>
+            <a:ext cx="8229600" cy="3276600"/>
+          </a:xfrm>
+          <a:prstGeom prst="rect">
+            <a:avLst/>
+          </a:prstGeom>
+        </p:spPr>
+      </p:pic>
+      <p:sp>
+        <p:nvSpPr>
+          <p:cNvPr id="5" name="TextBox 4"/>
+          <p:cNvSpPr txBox="1"/>
+          <p:nvPr/>
+        </p:nvSpPr>
+        <p:spPr>
+          <a:xfrm>
+            <a:off x="2667000" y="4750475"/>
+            <a:ext cx="6248400" cy="2031325"/>
+          </a:xfrm>
+          <a:prstGeom prst="rect">
+            <a:avLst/>
+          </a:prstGeom>
+          <a:noFill/>
+        </p:spPr>
+        <p:txBody>
+          <a:bodyPr wrap="square" rtlCol="0">
+            <a:spAutoFit/>
+          </a:bodyPr>
+          <a:lstStyle/>
+          <a:p>
+            <a:r>
+              <a:rPr lang="en-PH" dirty="0" smtClean="0">
+                <a:solidFill>
+                  <a:srgbClr val="0070C0"/>
+                </a:solidFill>
+              </a:rPr>
+              <a:t>Convertible and Hardtop </a:t>
+            </a:r>
+            <a:r>
+              <a:rPr lang="en-PH" dirty="0" smtClean="0"/>
+              <a:t>comes with </a:t>
+            </a:r>
+            <a:r>
+              <a:rPr lang="en-PH" dirty="0" smtClean="0">
+                <a:solidFill>
+                  <a:srgbClr val="0070C0"/>
+                </a:solidFill>
+              </a:rPr>
+              <a:t>Rear wheel drive </a:t>
+            </a:r>
+            <a:r>
+              <a:rPr lang="en-PH" dirty="0" smtClean="0"/>
+              <a:t>and they are </a:t>
+            </a:r>
+            <a:r>
+              <a:rPr lang="en-PH" dirty="0" smtClean="0">
+                <a:solidFill>
+                  <a:srgbClr val="0070C0"/>
+                </a:solidFill>
+              </a:rPr>
+              <a:t>expensive</a:t>
+            </a:r>
+            <a:r>
+              <a:rPr lang="en-PH" dirty="0" smtClean="0"/>
+              <a:t>.</a:t>
+            </a:r>
+            <a:endParaRPr lang="en-PH" dirty="0" smtClean="0"/>
+          </a:p>
+          <a:p>
+            <a:r>
+              <a:rPr lang="en-PH" dirty="0" smtClean="0">
+                <a:solidFill>
+                  <a:srgbClr val="0070C0"/>
+                </a:solidFill>
+              </a:rPr>
+              <a:t>Font engine cars </a:t>
+            </a:r>
+            <a:r>
+              <a:rPr lang="en-PH" dirty="0" smtClean="0"/>
+              <a:t>are </a:t>
+            </a:r>
+            <a:r>
+              <a:rPr lang="en-PH" dirty="0" smtClean="0">
+                <a:solidFill>
+                  <a:srgbClr val="0070C0"/>
+                </a:solidFill>
+              </a:rPr>
+              <a:t>less expensive </a:t>
+            </a:r>
+            <a:r>
+              <a:rPr lang="en-PH" dirty="0" smtClean="0"/>
+              <a:t>compare to Rear engine and four wheel drive </a:t>
+            </a:r>
+            <a:r>
+              <a:rPr lang="en-PH" dirty="0" smtClean="0"/>
+              <a:t>cars</a:t>
+            </a:r>
+            <a:r>
+              <a:rPr lang="en-PH" dirty="0" smtClean="0">
+                <a:solidFill>
+                  <a:srgbClr val="0070C0"/>
+                </a:solidFill>
+              </a:rPr>
+              <a:t>.</a:t>
+            </a:r>
+            <a:endParaRPr lang="en-PH" dirty="0" smtClean="0">
+              <a:solidFill>
+                <a:srgbClr val="0070C0"/>
+              </a:solidFill>
+            </a:endParaRPr>
+          </a:p>
+          <a:p>
+            <a:r>
+              <a:rPr lang="en-PH" dirty="0" smtClean="0">
+                <a:solidFill>
+                  <a:srgbClr val="0070C0"/>
+                </a:solidFill>
+              </a:rPr>
+              <a:t>Four wheel drive </a:t>
+            </a:r>
+            <a:r>
+              <a:rPr lang="en-PH" dirty="0" smtClean="0"/>
+              <a:t>cars are </a:t>
+            </a:r>
+            <a:r>
+              <a:rPr lang="en-PH" dirty="0" smtClean="0">
+                <a:solidFill>
+                  <a:srgbClr val="0070C0"/>
+                </a:solidFill>
+              </a:rPr>
+              <a:t>little expensive </a:t>
+            </a:r>
+            <a:r>
+              <a:rPr lang="en-PH" dirty="0" smtClean="0"/>
+              <a:t>than front wheel drive </a:t>
+            </a:r>
+            <a:r>
+              <a:rPr lang="en-PH" dirty="0" smtClean="0"/>
+              <a:t>cars.</a:t>
+            </a:r>
+            <a:endParaRPr lang="en-PH" dirty="0" smtClean="0"/>
+          </a:p>
+          <a:p>
+            <a:r>
+              <a:rPr lang="en-PH" dirty="0" smtClean="0">
+                <a:solidFill>
+                  <a:srgbClr val="0070C0"/>
+                </a:solidFill>
+              </a:rPr>
+              <a:t>Hatchback </a:t>
+            </a:r>
+            <a:r>
+              <a:rPr lang="en-PH" dirty="0" smtClean="0"/>
+              <a:t>cars are </a:t>
+            </a:r>
+            <a:r>
+              <a:rPr lang="en-PH" dirty="0" smtClean="0">
+                <a:solidFill>
+                  <a:srgbClr val="0070C0"/>
+                </a:solidFill>
+              </a:rPr>
+              <a:t>least expensive </a:t>
+            </a:r>
+            <a:r>
+              <a:rPr lang="en-PH" dirty="0" smtClean="0"/>
+              <a:t>in all drive wheel </a:t>
+            </a:r>
+            <a:r>
+              <a:rPr lang="en-PH" dirty="0" smtClean="0"/>
+              <a:t>categories.</a:t>
+            </a:r>
+            <a:endParaRPr lang="en-PH" dirty="0"/>
+          </a:p>
+        </p:txBody>
+      </p:sp>
+    </p:spTree>
+  </p:cSld>
+  <p:clrMapOvr>
+    <a:masterClrMapping/>
+  </p:clrMapOvr>
+  <p:timing>
+    <p:tnLst>
+      <p:par>
+        <p:cTn id="1" dur="indefinite" restart="never" nodeType="tmRoot"/>
+      </p:par>
+    </p:tnLst>
+  </p:timing>
+</p:sld>
+</file>
+
+<file path=ppt/slides/slide12.xml><?xml version="1.0" encoding="utf-8"?>
+<p:sld xmlns:a="http://schemas.openxmlformats.org/drawingml/2006/main" xmlns:r="http://schemas.openxmlformats.org/officeDocument/2006/relationships" xmlns:p="http://schemas.openxmlformats.org/presentationml/2006/main">
+  <p:cSld>
+    <p:spTree>
+      <p:nvGrpSpPr>
+        <p:cNvPr id="1" name=""/>
+        <p:cNvGrpSpPr/>
+        <p:nvPr/>
+      </p:nvGrpSpPr>
+      <p:grpSpPr>
+        <a:xfrm>
+          <a:off x="0" y="0"/>
+          <a:ext cx="0" cy="0"/>
+          <a:chOff x="0" y="0"/>
+          <a:chExt cx="0" cy="0"/>
+        </a:xfrm>
+      </p:grpSpPr>
+      <p:sp>
+        <p:nvSpPr>
+          <p:cNvPr id="2" name="Title 1"/>
+          <p:cNvSpPr txBox="1">
+            <a:spLocks/>
+          </p:cNvSpPr>
+          <p:nvPr/>
+        </p:nvSpPr>
+        <p:spPr>
+          <a:xfrm>
+            <a:off x="0" y="152400"/>
+            <a:ext cx="9144000" cy="1143000"/>
+          </a:xfrm>
+          <a:prstGeom prst="rect">
+            <a:avLst/>
+          </a:prstGeom>
+          <a:solidFill>
+            <a:schemeClr val="tx1">
+              <a:lumMod val="85000"/>
+              <a:lumOff val="15000"/>
+            </a:schemeClr>
+          </a:solidFill>
+        </p:spPr>
+        <p:txBody>
+          <a:bodyPr vert="horz" lIns="91440" tIns="45720" rIns="91440" bIns="45720" rtlCol="0" anchor="ctr">
+            <a:normAutofit/>
+          </a:bodyPr>
+          <a:lstStyle/>
+          <a:p>
+            <a:pPr lvl="0" algn="ctr">
+              <a:spcBef>
+                <a:spcPct val="0"/>
+              </a:spcBef>
+              <a:defRPr/>
+            </a:pPr>
+            <a:r>
+              <a:rPr lang="en-PH" sz="3200" dirty="0" smtClean="0">
+                <a:solidFill>
+                  <a:schemeClr val="tx2">
+                    <a:lumMod val="40000"/>
+                    <a:lumOff val="60000"/>
+                  </a:schemeClr>
+                </a:solidFill>
+                <a:latin typeface="Arial Black" pitchFamily="34" charset="0"/>
+                <a:ea typeface="+mj-ea"/>
+                <a:cs typeface="+mj-cs"/>
+              </a:rPr>
+              <a:t>Prices by body type</a:t>
+            </a:r>
+            <a:endParaRPr kumimoji="0" lang="en-PH" sz="3200" b="0" i="0" u="none" strike="noStrike" kern="1200" cap="none" spc="0" normalizeH="0" baseline="0" noProof="0" dirty="0">
+              <a:ln>
+                <a:noFill/>
+              </a:ln>
+              <a:solidFill>
+                <a:schemeClr val="tx2">
+                  <a:lumMod val="40000"/>
+                  <a:lumOff val="60000"/>
+                </a:schemeClr>
+              </a:solidFill>
+              <a:effectLst/>
+              <a:uLnTx/>
+              <a:uFillTx/>
+              <a:latin typeface="Arial Black" pitchFamily="34" charset="0"/>
+              <a:ea typeface="+mj-ea"/>
+              <a:cs typeface="+mj-cs"/>
+            </a:endParaRPr>
+          </a:p>
+        </p:txBody>
+      </p:sp>
+      <p:pic>
+        <p:nvPicPr>
+          <p:cNvPr id="3" name="Picture 2" descr="CarPiceByBodyTypeViolinPlot.png"/>
+          <p:cNvPicPr>
+            <a:picLocks noChangeAspect="1"/>
+          </p:cNvPicPr>
+          <p:nvPr/>
+        </p:nvPicPr>
+        <p:blipFill>
+          <a:blip r:embed="rId2" cstate="print"/>
+          <a:stretch>
+            <a:fillRect/>
+          </a:stretch>
+        </p:blipFill>
+        <p:spPr>
+          <a:xfrm>
+            <a:off x="609600" y="1393769"/>
+            <a:ext cx="7772400" cy="3256369"/>
+          </a:xfrm>
+          <a:prstGeom prst="rect">
+            <a:avLst/>
+          </a:prstGeom>
+        </p:spPr>
+      </p:pic>
+      <p:pic>
+        <p:nvPicPr>
+          <p:cNvPr id="4" name="Picture 3" descr="carcost.jfif"/>
+          <p:cNvPicPr>
+            <a:picLocks noChangeAspect="1"/>
+          </p:cNvPicPr>
+          <p:nvPr/>
+        </p:nvPicPr>
+        <p:blipFill>
+          <a:blip r:embed="rId3" cstate="print"/>
+          <a:stretch>
+            <a:fillRect/>
+          </a:stretch>
+        </p:blipFill>
+        <p:spPr>
+          <a:xfrm>
+            <a:off x="685800" y="4953000"/>
+            <a:ext cx="2781300" cy="1647825"/>
+          </a:xfrm>
+          <a:prstGeom prst="rect">
+            <a:avLst/>
+          </a:prstGeom>
+        </p:spPr>
+      </p:pic>
+      <p:sp>
+        <p:nvSpPr>
+          <p:cNvPr id="5" name="TextBox 4"/>
+          <p:cNvSpPr txBox="1"/>
+          <p:nvPr/>
+        </p:nvSpPr>
+        <p:spPr>
+          <a:xfrm>
+            <a:off x="3810000" y="5105400"/>
+            <a:ext cx="4572000" cy="1200329"/>
+          </a:xfrm>
+          <a:prstGeom prst="rect">
+            <a:avLst/>
+          </a:prstGeom>
+          <a:noFill/>
+        </p:spPr>
+        <p:txBody>
+          <a:bodyPr wrap="square" rtlCol="0">
+            <a:spAutoFit/>
+          </a:bodyPr>
+          <a:lstStyle/>
+          <a:p>
+            <a:r>
+              <a:rPr lang="en-PH" dirty="0" smtClean="0">
+                <a:solidFill>
+                  <a:srgbClr val="0070C0"/>
+                </a:solidFill>
+              </a:rPr>
+              <a:t>Hardtop and convertible </a:t>
+            </a:r>
+            <a:r>
+              <a:rPr lang="en-PH" dirty="0" smtClean="0"/>
+              <a:t>body type cars are </a:t>
+            </a:r>
+            <a:r>
+              <a:rPr lang="en-PH" dirty="0" smtClean="0">
+                <a:solidFill>
+                  <a:srgbClr val="0070C0"/>
+                </a:solidFill>
+              </a:rPr>
+              <a:t>expensive.</a:t>
+            </a:r>
+            <a:endParaRPr lang="en-PH" dirty="0" smtClean="0">
+              <a:solidFill>
+                <a:srgbClr val="0070C0"/>
+              </a:solidFill>
+            </a:endParaRPr>
+          </a:p>
+          <a:p>
+            <a:r>
+              <a:rPr lang="en-PH" dirty="0" smtClean="0">
+                <a:solidFill>
+                  <a:srgbClr val="0070C0"/>
+                </a:solidFill>
+              </a:rPr>
+              <a:t>Hatchback </a:t>
+            </a:r>
+            <a:r>
+              <a:rPr lang="en-PH" dirty="0" smtClean="0"/>
+              <a:t>cars are </a:t>
+            </a:r>
+            <a:r>
+              <a:rPr lang="en-PH" dirty="0" smtClean="0">
+                <a:solidFill>
+                  <a:srgbClr val="0070C0"/>
+                </a:solidFill>
+              </a:rPr>
+              <a:t>budget </a:t>
+            </a:r>
+            <a:r>
+              <a:rPr lang="en-PH" dirty="0" smtClean="0">
+                <a:solidFill>
+                  <a:srgbClr val="0070C0"/>
+                </a:solidFill>
+              </a:rPr>
+              <a:t>cars.</a:t>
+            </a:r>
+            <a:endParaRPr lang="en-PH" dirty="0" smtClean="0">
+              <a:solidFill>
+                <a:srgbClr val="0070C0"/>
+              </a:solidFill>
+            </a:endParaRPr>
+          </a:p>
+          <a:p>
+            <a:endParaRPr lang="en-PH" dirty="0"/>
+          </a:p>
+        </p:txBody>
+      </p:sp>
+    </p:spTree>
+  </p:cSld>
+  <p:clrMapOvr>
+    <a:masterClrMapping/>
+  </p:clrMapOvr>
+  <p:timing>
+    <p:tnLst>
+      <p:par>
+        <p:cTn id="1" dur="indefinite" restart="never" nodeType="tmRoot"/>
+      </p:par>
+    </p:tnLst>
+  </p:timing>
+</p:sld>
+</file>
+
+<file path=ppt/slides/slide13.xml><?xml version="1.0" encoding="utf-8"?>
+<p:sld xmlns:a="http://schemas.openxmlformats.org/drawingml/2006/main" xmlns:r="http://schemas.openxmlformats.org/officeDocument/2006/relationships" xmlns:p="http://schemas.openxmlformats.org/presentationml/2006/main">
+  <p:cSld>
+    <p:spTree>
+      <p:nvGrpSpPr>
+        <p:cNvPr id="1" name=""/>
+        <p:cNvGrpSpPr/>
+        <p:nvPr/>
+      </p:nvGrpSpPr>
+      <p:grpSpPr>
+        <a:xfrm>
+          <a:off x="0" y="0"/>
+          <a:ext cx="0" cy="0"/>
+          <a:chOff x="0" y="0"/>
+          <a:chExt cx="0" cy="0"/>
+        </a:xfrm>
+      </p:grpSpPr>
+      <p:sp>
+        <p:nvSpPr>
+          <p:cNvPr id="2" name="Title 1"/>
+          <p:cNvSpPr txBox="1">
+            <a:spLocks/>
+          </p:cNvSpPr>
+          <p:nvPr/>
+        </p:nvSpPr>
+        <p:spPr>
+          <a:xfrm>
+            <a:off x="0" y="152400"/>
+            <a:ext cx="9144000" cy="1143000"/>
+          </a:xfrm>
+          <a:prstGeom prst="rect">
+            <a:avLst/>
+          </a:prstGeom>
+          <a:solidFill>
+            <a:schemeClr val="tx1">
+              <a:lumMod val="85000"/>
+              <a:lumOff val="15000"/>
+            </a:schemeClr>
+          </a:solidFill>
+        </p:spPr>
+        <p:txBody>
+          <a:bodyPr vert="horz" lIns="91440" tIns="45720" rIns="91440" bIns="45720" rtlCol="0" anchor="ctr">
+            <a:normAutofit/>
+          </a:bodyPr>
+          <a:lstStyle/>
+          <a:p>
+            <a:pPr lvl="0" algn="ctr">
+              <a:spcBef>
+                <a:spcPct val="0"/>
+              </a:spcBef>
+              <a:defRPr/>
+            </a:pPr>
+            <a:r>
+              <a:rPr lang="en-PH" sz="3200" dirty="0" smtClean="0">
+                <a:solidFill>
+                  <a:schemeClr val="tx2">
+                    <a:lumMod val="40000"/>
+                    <a:lumOff val="60000"/>
+                  </a:schemeClr>
+                </a:solidFill>
+                <a:latin typeface="Arial Black" pitchFamily="34" charset="0"/>
+                <a:ea typeface="+mj-ea"/>
+                <a:cs typeface="+mj-cs"/>
+              </a:rPr>
+              <a:t>Car mileage based on body style</a:t>
+            </a:r>
+            <a:endParaRPr kumimoji="0" lang="en-PH" sz="3200" b="0" i="0" u="none" strike="noStrike" kern="1200" cap="none" spc="0" normalizeH="0" baseline="0" noProof="0" dirty="0">
+              <a:ln>
+                <a:noFill/>
+              </a:ln>
+              <a:solidFill>
+                <a:schemeClr val="tx2">
+                  <a:lumMod val="40000"/>
+                  <a:lumOff val="60000"/>
+                </a:schemeClr>
+              </a:solidFill>
+              <a:effectLst/>
+              <a:uLnTx/>
+              <a:uFillTx/>
+              <a:latin typeface="Arial Black" pitchFamily="34" charset="0"/>
+              <a:ea typeface="+mj-ea"/>
+              <a:cs typeface="+mj-cs"/>
+            </a:endParaRPr>
+          </a:p>
+        </p:txBody>
+      </p:sp>
+      <p:pic>
+        <p:nvPicPr>
+          <p:cNvPr id="3" name="Picture 2" descr="CarMilageBodyStyleScatterplot.png"/>
+          <p:cNvPicPr>
+            <a:picLocks noChangeAspect="1"/>
+          </p:cNvPicPr>
+          <p:nvPr/>
+        </p:nvPicPr>
+        <p:blipFill>
+          <a:blip r:embed="rId2" cstate="print"/>
+          <a:stretch>
+            <a:fillRect/>
+          </a:stretch>
+        </p:blipFill>
+        <p:spPr>
+          <a:xfrm>
+            <a:off x="3404667" y="1767831"/>
+            <a:ext cx="5282133" cy="4328169"/>
+          </a:xfrm>
+          <a:prstGeom prst="rect">
+            <a:avLst/>
+          </a:prstGeom>
+        </p:spPr>
+      </p:pic>
+      <p:pic>
+        <p:nvPicPr>
+          <p:cNvPr id="4" name="Picture 3" descr="carmilage.jpg"/>
+          <p:cNvPicPr>
+            <a:picLocks noChangeAspect="1"/>
+          </p:cNvPicPr>
+          <p:nvPr/>
+        </p:nvPicPr>
+        <p:blipFill>
+          <a:blip r:embed="rId3" cstate="print"/>
+          <a:stretch>
+            <a:fillRect/>
+          </a:stretch>
+        </p:blipFill>
+        <p:spPr>
+          <a:xfrm>
+            <a:off x="609600" y="3962400"/>
+            <a:ext cx="1981200" cy="1398494"/>
+          </a:xfrm>
+          <a:prstGeom prst="rect">
+            <a:avLst/>
+          </a:prstGeom>
+        </p:spPr>
+      </p:pic>
+      <p:sp>
+        <p:nvSpPr>
+          <p:cNvPr id="5" name="TextBox 4"/>
+          <p:cNvSpPr txBox="1"/>
+          <p:nvPr/>
+        </p:nvSpPr>
+        <p:spPr>
+          <a:xfrm>
+            <a:off x="228600" y="1828800"/>
+            <a:ext cx="3124200" cy="923330"/>
+          </a:xfrm>
+          <a:prstGeom prst="rect">
+            <a:avLst/>
+          </a:prstGeom>
+          <a:noFill/>
+        </p:spPr>
+        <p:txBody>
+          <a:bodyPr wrap="square" rtlCol="0">
+            <a:spAutoFit/>
+          </a:bodyPr>
+          <a:lstStyle/>
+          <a:p>
+            <a:r>
+              <a:rPr lang="en-PH" dirty="0" smtClean="0">
+                <a:solidFill>
+                  <a:srgbClr val="0070C0"/>
+                </a:solidFill>
+              </a:rPr>
+              <a:t>Hatchback</a:t>
+            </a:r>
+            <a:r>
+              <a:rPr lang="en-PH" dirty="0" smtClean="0"/>
+              <a:t> cars have </a:t>
+            </a:r>
+            <a:r>
+              <a:rPr lang="en-PH" dirty="0" smtClean="0">
+                <a:solidFill>
+                  <a:srgbClr val="0070C0"/>
+                </a:solidFill>
+              </a:rPr>
+              <a:t>smaller engine</a:t>
+            </a:r>
+            <a:r>
+              <a:rPr lang="en-PH" dirty="0" smtClean="0"/>
+              <a:t> but they are </a:t>
+            </a:r>
+            <a:r>
+              <a:rPr lang="en-PH" dirty="0" smtClean="0">
+                <a:solidFill>
+                  <a:srgbClr val="0070C0"/>
+                </a:solidFill>
+              </a:rPr>
+              <a:t>better in </a:t>
+            </a:r>
+            <a:r>
+              <a:rPr lang="en-PH" dirty="0" smtClean="0">
+                <a:solidFill>
+                  <a:srgbClr val="0070C0"/>
+                </a:solidFill>
+              </a:rPr>
+              <a:t>mileage.</a:t>
+            </a:r>
+            <a:endParaRPr lang="en-PH" dirty="0" smtClean="0">
+              <a:solidFill>
+                <a:srgbClr val="0070C0"/>
+              </a:solidFill>
+            </a:endParaRPr>
+          </a:p>
+        </p:txBody>
+      </p:sp>
+    </p:spTree>
+  </p:cSld>
+  <p:clrMapOvr>
+    <a:masterClrMapping/>
+  </p:clrMapOvr>
+  <p:timing>
+    <p:tnLst>
+      <p:par>
+        <p:cTn id="1" dur="indefinite" restart="never" nodeType="tmRoot"/>
+      </p:par>
+    </p:tnLst>
+  </p:timing>
+</p:sld>
+</file>
+
+<file path=ppt/slides/slide14.xml><?xml version="1.0" encoding="utf-8"?>
+<p:sld xmlns:a="http://schemas.openxmlformats.org/drawingml/2006/main" xmlns:r="http://schemas.openxmlformats.org/officeDocument/2006/relationships" xmlns:p="http://schemas.openxmlformats.org/presentationml/2006/main">
+  <p:cSld>
+    <p:spTree>
+      <p:nvGrpSpPr>
+        <p:cNvPr id="1" name=""/>
+        <p:cNvGrpSpPr/>
+        <p:nvPr/>
+      </p:nvGrpSpPr>
+      <p:grpSpPr>
+        <a:xfrm>
+          <a:off x="0" y="0"/>
+          <a:ext cx="0" cy="0"/>
+          <a:chOff x="0" y="0"/>
+          <a:chExt cx="0" cy="0"/>
+        </a:xfrm>
+      </p:grpSpPr>
+      <p:sp>
+        <p:nvSpPr>
+          <p:cNvPr id="2" name="Title 1"/>
+          <p:cNvSpPr txBox="1">
+            <a:spLocks/>
+          </p:cNvSpPr>
+          <p:nvPr/>
+        </p:nvSpPr>
+        <p:spPr>
+          <a:xfrm>
+            <a:off x="0" y="152400"/>
+            <a:ext cx="9144000" cy="1143000"/>
+          </a:xfrm>
+          <a:prstGeom prst="rect">
+            <a:avLst/>
+          </a:prstGeom>
+          <a:solidFill>
+            <a:schemeClr val="tx1">
+              <a:lumMod val="85000"/>
+              <a:lumOff val="15000"/>
+            </a:schemeClr>
+          </a:solidFill>
+        </p:spPr>
+        <p:txBody>
+          <a:bodyPr vert="horz" lIns="91440" tIns="45720" rIns="91440" bIns="45720" rtlCol="0" anchor="ctr">
+            <a:normAutofit/>
+          </a:bodyPr>
+          <a:lstStyle/>
+          <a:p>
+            <a:pPr lvl="0" algn="ctr">
+              <a:spcBef>
+                <a:spcPct val="0"/>
+              </a:spcBef>
+              <a:defRPr/>
+            </a:pPr>
+            <a:r>
+              <a:rPr lang="en-PH" sz="3200" dirty="0" smtClean="0">
+                <a:solidFill>
+                  <a:schemeClr val="tx2">
+                    <a:lumMod val="40000"/>
+                    <a:lumOff val="60000"/>
+                  </a:schemeClr>
+                </a:solidFill>
+                <a:latin typeface="Arial Black" pitchFamily="34" charset="0"/>
+                <a:ea typeface="+mj-ea"/>
+                <a:cs typeface="+mj-cs"/>
+              </a:rPr>
+              <a:t>Price based on aspiration</a:t>
+            </a:r>
+            <a:endParaRPr kumimoji="0" lang="en-PH" sz="3200" b="0" i="0" u="none" strike="noStrike" kern="1200" cap="none" spc="0" normalizeH="0" baseline="0" noProof="0" dirty="0">
+              <a:ln>
+                <a:noFill/>
+              </a:ln>
+              <a:solidFill>
+                <a:schemeClr val="tx2">
+                  <a:lumMod val="40000"/>
+                  <a:lumOff val="60000"/>
+                </a:schemeClr>
+              </a:solidFill>
+              <a:effectLst/>
+              <a:uLnTx/>
+              <a:uFillTx/>
+              <a:latin typeface="Arial Black" pitchFamily="34" charset="0"/>
+              <a:ea typeface="+mj-ea"/>
+              <a:cs typeface="+mj-cs"/>
+            </a:endParaRPr>
+          </a:p>
+        </p:txBody>
+      </p:sp>
+      <p:pic>
+        <p:nvPicPr>
+          <p:cNvPr id="3" name="Picture 2" descr="turbo.jfif"/>
+          <p:cNvPicPr>
+            <a:picLocks noChangeAspect="1"/>
+          </p:cNvPicPr>
+          <p:nvPr/>
+        </p:nvPicPr>
+        <p:blipFill>
+          <a:blip r:embed="rId2" cstate="print"/>
+          <a:stretch>
+            <a:fillRect/>
+          </a:stretch>
+        </p:blipFill>
+        <p:spPr>
+          <a:xfrm>
+            <a:off x="609600" y="5095875"/>
+            <a:ext cx="1762125" cy="1533525"/>
+          </a:xfrm>
+          <a:prstGeom prst="rect">
+            <a:avLst/>
+          </a:prstGeom>
+        </p:spPr>
+      </p:pic>
+      <p:pic>
+        <p:nvPicPr>
+          <p:cNvPr id="4" name="Picture 3" descr="PricebasedonAspirationpointplot.png"/>
+          <p:cNvPicPr>
+            <a:picLocks noChangeAspect="1"/>
+          </p:cNvPicPr>
+          <p:nvPr/>
+        </p:nvPicPr>
+        <p:blipFill>
+          <a:blip r:embed="rId3" cstate="print"/>
+          <a:stretch>
+            <a:fillRect/>
+          </a:stretch>
+        </p:blipFill>
+        <p:spPr>
+          <a:xfrm>
+            <a:off x="609600" y="1524000"/>
+            <a:ext cx="8153400" cy="3374224"/>
+          </a:xfrm>
+          <a:prstGeom prst="rect">
+            <a:avLst/>
+          </a:prstGeom>
+        </p:spPr>
+      </p:pic>
+      <p:sp>
+        <p:nvSpPr>
+          <p:cNvPr id="5" name="TextBox 4"/>
+          <p:cNvSpPr txBox="1"/>
+          <p:nvPr/>
+        </p:nvSpPr>
+        <p:spPr>
+          <a:xfrm>
+            <a:off x="3429000" y="5352871"/>
+            <a:ext cx="4572000" cy="1200329"/>
+          </a:xfrm>
+          <a:prstGeom prst="rect">
+            <a:avLst/>
+          </a:prstGeom>
+          <a:noFill/>
+        </p:spPr>
+        <p:txBody>
+          <a:bodyPr wrap="square" rtlCol="0">
+            <a:spAutoFit/>
+          </a:bodyPr>
+          <a:lstStyle/>
+          <a:p>
+            <a:r>
+              <a:rPr lang="en-PH" dirty="0" smtClean="0">
+                <a:solidFill>
+                  <a:srgbClr val="0070C0"/>
+                </a:solidFill>
+              </a:rPr>
+              <a:t>Turbo</a:t>
+            </a:r>
+            <a:r>
+              <a:rPr lang="en-PH" dirty="0" smtClean="0"/>
+              <a:t> models have </a:t>
+            </a:r>
+            <a:r>
+              <a:rPr lang="en-PH" dirty="0" smtClean="0">
+                <a:solidFill>
+                  <a:srgbClr val="0070C0"/>
+                </a:solidFill>
+              </a:rPr>
+              <a:t>higher prices </a:t>
+            </a:r>
+            <a:r>
+              <a:rPr lang="en-PH" dirty="0" smtClean="0"/>
+              <a:t>than for the standard </a:t>
+            </a:r>
+            <a:r>
+              <a:rPr lang="en-PH" dirty="0" smtClean="0"/>
+              <a:t>model</a:t>
+            </a:r>
+            <a:r>
+              <a:rPr lang="en-PH" dirty="0" smtClean="0">
+                <a:solidFill>
+                  <a:srgbClr val="0070C0"/>
+                </a:solidFill>
+              </a:rPr>
+              <a:t>.</a:t>
+            </a:r>
+            <a:endParaRPr lang="en-PH" dirty="0" smtClean="0">
+              <a:solidFill>
+                <a:srgbClr val="0070C0"/>
+              </a:solidFill>
+            </a:endParaRPr>
+          </a:p>
+          <a:p>
+            <a:r>
+              <a:rPr lang="en-PH" dirty="0" smtClean="0">
+                <a:solidFill>
+                  <a:srgbClr val="0070C0"/>
+                </a:solidFill>
+              </a:rPr>
+              <a:t>Convertible</a:t>
+            </a:r>
+            <a:r>
+              <a:rPr lang="en-PH" dirty="0" smtClean="0"/>
+              <a:t> cars </a:t>
+            </a:r>
+            <a:r>
+              <a:rPr lang="en-PH" dirty="0" smtClean="0">
+                <a:solidFill>
+                  <a:srgbClr val="0070C0"/>
+                </a:solidFill>
+              </a:rPr>
+              <a:t>don't </a:t>
+            </a:r>
+            <a:r>
+              <a:rPr lang="en-PH" dirty="0" smtClean="0">
+                <a:solidFill>
+                  <a:srgbClr val="0070C0"/>
+                </a:solidFill>
+              </a:rPr>
+              <a:t>have Turbo </a:t>
+            </a:r>
+            <a:r>
+              <a:rPr lang="en-PH" dirty="0" smtClean="0"/>
+              <a:t>models</a:t>
+            </a:r>
+            <a:r>
+              <a:rPr lang="en-PH" dirty="0" smtClean="0">
+                <a:solidFill>
+                  <a:srgbClr val="0070C0"/>
+                </a:solidFill>
+              </a:rPr>
+              <a:t>.</a:t>
+            </a:r>
+            <a:endParaRPr lang="en-PH" dirty="0" smtClean="0">
+              <a:solidFill>
+                <a:srgbClr val="0070C0"/>
+              </a:solidFill>
+            </a:endParaRPr>
+          </a:p>
+          <a:p>
+            <a:endParaRPr lang="en-PH" dirty="0"/>
+          </a:p>
+        </p:txBody>
+      </p:sp>
+    </p:spTree>
+  </p:cSld>
+  <p:clrMapOvr>
+    <a:masterClrMapping/>
+  </p:clrMapOvr>
+  <p:timing>
+    <p:tnLst>
+      <p:par>
+        <p:cTn id="1" dur="indefinite" restart="never" nodeType="tmRoot"/>
+      </p:par>
+    </p:tnLst>
+  </p:timing>
+</p:sld>
+</file>
+
+<file path=ppt/slides/slide15.xml><?xml version="1.0" encoding="utf-8"?>
+<p:sld xmlns:a="http://schemas.openxmlformats.org/drawingml/2006/main" xmlns:r="http://schemas.openxmlformats.org/officeDocument/2006/relationships" xmlns:p="http://schemas.openxmlformats.org/presentationml/2006/main">
+  <p:cSld>
+    <p:spTree>
+      <p:nvGrpSpPr>
+        <p:cNvPr id="1" name=""/>
+        <p:cNvGrpSpPr/>
+        <p:nvPr/>
+      </p:nvGrpSpPr>
+      <p:grpSpPr>
+        <a:xfrm>
+          <a:off x="0" y="0"/>
+          <a:ext cx="0" cy="0"/>
+          <a:chOff x="0" y="0"/>
+          <a:chExt cx="0" cy="0"/>
+        </a:xfrm>
+      </p:grpSpPr>
+      <p:sp>
+        <p:nvSpPr>
+          <p:cNvPr id="2" name="Title 1"/>
+          <p:cNvSpPr txBox="1">
+            <a:spLocks/>
+          </p:cNvSpPr>
+          <p:nvPr/>
+        </p:nvSpPr>
+        <p:spPr>
+          <a:xfrm>
+            <a:off x="0" y="152400"/>
+            <a:ext cx="9144000" cy="1143000"/>
+          </a:xfrm>
+          <a:prstGeom prst="rect">
+            <a:avLst/>
+          </a:prstGeom>
+          <a:solidFill>
+            <a:schemeClr val="tx1">
+              <a:lumMod val="85000"/>
+              <a:lumOff val="15000"/>
+            </a:schemeClr>
+          </a:solidFill>
+        </p:spPr>
+        <p:txBody>
+          <a:bodyPr vert="horz" lIns="91440" tIns="45720" rIns="91440" bIns="45720" rtlCol="0" anchor="ctr">
+            <a:normAutofit/>
+          </a:bodyPr>
+          <a:lstStyle/>
+          <a:p>
+            <a:pPr lvl="0" algn="ctr">
+              <a:spcBef>
+                <a:spcPct val="0"/>
+              </a:spcBef>
+              <a:defRPr/>
+            </a:pPr>
+            <a:r>
+              <a:rPr lang="en-PH" sz="3200" dirty="0" smtClean="0">
+                <a:solidFill>
+                  <a:schemeClr val="tx2">
+                    <a:lumMod val="40000"/>
+                    <a:lumOff val="60000"/>
+                  </a:schemeClr>
+                </a:solidFill>
+                <a:latin typeface="Arial Black" pitchFamily="34" charset="0"/>
+                <a:ea typeface="+mj-ea"/>
+                <a:cs typeface="+mj-cs"/>
+              </a:rPr>
+              <a:t>Conclusion</a:t>
+            </a:r>
+            <a:endParaRPr kumimoji="0" lang="en-PH" sz="3200" b="0" i="0" u="none" strike="noStrike" kern="1200" cap="none" spc="0" normalizeH="0" baseline="0" noProof="0" dirty="0">
+              <a:ln>
+                <a:noFill/>
+              </a:ln>
+              <a:solidFill>
+                <a:schemeClr val="tx2">
+                  <a:lumMod val="40000"/>
+                  <a:lumOff val="60000"/>
+                </a:schemeClr>
+              </a:solidFill>
+              <a:effectLst/>
+              <a:uLnTx/>
+              <a:uFillTx/>
+              <a:latin typeface="Arial Black" pitchFamily="34" charset="0"/>
+              <a:ea typeface="+mj-ea"/>
+              <a:cs typeface="+mj-cs"/>
+            </a:endParaRPr>
+          </a:p>
+        </p:txBody>
+      </p:sp>
+      <p:pic>
+        <p:nvPicPr>
+          <p:cNvPr id="3" name="Picture 2" descr="conclusion.jfif"/>
+          <p:cNvPicPr>
+            <a:picLocks noChangeAspect="1"/>
+          </p:cNvPicPr>
+          <p:nvPr/>
+        </p:nvPicPr>
+        <p:blipFill>
+          <a:blip r:embed="rId2" cstate="print">
+            <a:duotone>
+              <a:schemeClr val="bg2">
+                <a:shade val="45000"/>
+                <a:satMod val="135000"/>
+              </a:schemeClr>
+              <a:prstClr val="white"/>
+            </a:duotone>
+          </a:blip>
+          <a:stretch>
+            <a:fillRect/>
+          </a:stretch>
+        </p:blipFill>
+        <p:spPr>
+          <a:xfrm>
+            <a:off x="5548936" y="1828800"/>
+            <a:ext cx="3442664" cy="3781727"/>
+          </a:xfrm>
+          <a:prstGeom prst="rect">
+            <a:avLst/>
+          </a:prstGeom>
+        </p:spPr>
+      </p:pic>
+      <p:sp>
+        <p:nvSpPr>
+          <p:cNvPr id="4" name="TextBox 3"/>
+          <p:cNvSpPr txBox="1"/>
+          <p:nvPr/>
+        </p:nvSpPr>
+        <p:spPr>
+          <a:xfrm>
+            <a:off x="152400" y="1981200"/>
+            <a:ext cx="5943600" cy="3200876"/>
+          </a:xfrm>
+          <a:prstGeom prst="rect">
+            <a:avLst/>
+          </a:prstGeom>
+          <a:noFill/>
+        </p:spPr>
+        <p:txBody>
+          <a:bodyPr wrap="square" rtlCol="0">
+            <a:spAutoFit/>
+          </a:bodyPr>
+          <a:lstStyle/>
+          <a:p>
+            <a:r>
+              <a:rPr lang="en-PH" sz="2800" b="1" dirty="0" smtClean="0">
+                <a:solidFill>
+                  <a:srgbClr val="0070C0"/>
+                </a:solidFill>
+              </a:rPr>
+              <a:t>Based on the analysis we understand</a:t>
+            </a:r>
+            <a:r>
+              <a:rPr lang="en-PH" sz="2800" b="1" dirty="0" smtClean="0"/>
+              <a:t>:</a:t>
+            </a:r>
+          </a:p>
+          <a:p>
+            <a:pPr>
+              <a:buFont typeface="Wingdings" pitchFamily="2" charset="2"/>
+              <a:buChar char="v"/>
+            </a:pPr>
+            <a:r>
+              <a:rPr lang="en-PH" sz="2400" dirty="0" smtClean="0"/>
+              <a:t>Data distribution</a:t>
+            </a:r>
+          </a:p>
+          <a:p>
+            <a:pPr>
+              <a:buFont typeface="Wingdings" pitchFamily="2" charset="2"/>
+              <a:buChar char="v"/>
+            </a:pPr>
+            <a:r>
+              <a:rPr lang="en-PH" sz="2400" dirty="0" smtClean="0"/>
+              <a:t>Factors affecting Car prices</a:t>
+            </a:r>
+          </a:p>
+          <a:p>
+            <a:pPr>
+              <a:buFont typeface="Wingdings" pitchFamily="2" charset="2"/>
+              <a:buChar char="v"/>
+            </a:pPr>
+            <a:r>
+              <a:rPr lang="en-PH" sz="2400" dirty="0" smtClean="0"/>
+              <a:t>Budget friendly and performance car and Body styles</a:t>
+            </a:r>
+          </a:p>
+          <a:p>
+            <a:pPr>
+              <a:buFont typeface="Wingdings" pitchFamily="2" charset="2"/>
+              <a:buChar char="v"/>
+            </a:pPr>
+            <a:r>
+              <a:rPr lang="en-PH" sz="2400" dirty="0" smtClean="0"/>
+              <a:t>Popular </a:t>
+            </a:r>
+            <a:r>
+              <a:rPr lang="en-PH" sz="2400" dirty="0" smtClean="0"/>
+              <a:t>make, body </a:t>
+            </a:r>
+            <a:r>
+              <a:rPr lang="en-PH" sz="2400" dirty="0" smtClean="0"/>
+              <a:t>styles and fuel type</a:t>
+            </a:r>
+          </a:p>
+          <a:p>
+            <a:endParaRPr lang="en-PH" dirty="0" smtClean="0"/>
+          </a:p>
+          <a:p>
+            <a:endParaRPr lang="en-PH" dirty="0" smtClean="0"/>
+          </a:p>
+          <a:p>
+            <a:endParaRPr lang="en-PH" dirty="0"/>
+          </a:p>
+        </p:txBody>
+      </p:sp>
+    </p:spTree>
+  </p:cSld>
+  <p:clrMapOvr>
+    <a:masterClrMapping/>
+  </p:clrMapOvr>
+  <p:timing>
+    <p:tnLst>
+      <p:par>
+        <p:cTn id="1" dur="indefinite" restart="never" nodeType="tmRoot"/>
+      </p:par>
+    </p:tnLst>
+  </p:timing>
+</p:sld>
+</file>
+
+<file path=ppt/slides/slide16.xml><?xml version="1.0" encoding="utf-8"?>
+<p:sld xmlns:a="http://schemas.openxmlformats.org/drawingml/2006/main" xmlns:r="http://schemas.openxmlformats.org/officeDocument/2006/relationships" xmlns:p="http://schemas.openxmlformats.org/presentationml/2006/main">
+  <p:cSld>
+    <p:spTree>
+      <p:nvGrpSpPr>
+        <p:cNvPr id="1" name=""/>
+        <p:cNvGrpSpPr/>
+        <p:nvPr/>
+      </p:nvGrpSpPr>
+      <p:grpSpPr>
+        <a:xfrm>
+          <a:off x="0" y="0"/>
+          <a:ext cx="0" cy="0"/>
+          <a:chOff x="0" y="0"/>
+          <a:chExt cx="0" cy="0"/>
+        </a:xfrm>
+      </p:grpSpPr>
+      <p:pic>
+        <p:nvPicPr>
+          <p:cNvPr id="2" name="Picture 1" descr="ThankYou.png"/>
+          <p:cNvPicPr>
+            <a:picLocks noChangeAspect="1"/>
+          </p:cNvPicPr>
+          <p:nvPr/>
+        </p:nvPicPr>
+        <p:blipFill>
+          <a:blip r:embed="rId2" cstate="print"/>
+          <a:stretch>
+            <a:fillRect/>
+          </a:stretch>
+        </p:blipFill>
+        <p:spPr>
+          <a:xfrm>
+            <a:off x="737810" y="1981200"/>
+            <a:ext cx="7339390" cy="2311908"/>
+          </a:xfrm>
+          <a:prstGeom prst="rect">
+            <a:avLst/>
+          </a:prstGeom>
+        </p:spPr>
+      </p:pic>
+    </p:spTree>
+  </p:cSld>
+  <p:clrMapOvr>
+    <a:masterClrMapping/>
+  </p:clrMapOvr>
+  <p:timing>
+    <p:tnLst>
+      <p:par>
+        <p:cTn id="1" dur="indefinite" restart="never" nodeType="tmRoot"/>
+      </p:par>
+    </p:tnLst>
+  </p:timing>
+</p:sld>
+</file>
+
 <file path=ppt/slides/slide2.xml><?xml version="1.0" encoding="utf-8"?>
 <p:sld xmlns:a="http://schemas.openxmlformats.org/drawingml/2006/main" xmlns:r="http://schemas.openxmlformats.org/officeDocument/2006/relationships" xmlns:p="http://schemas.openxmlformats.org/presentationml/2006/main">
   <p:cSld>
@@ -3480,20 +5073,14 @@
           <a:p>
             <a:r>
               <a:rPr lang="en-PH" dirty="0" smtClean="0"/>
-              <a:t>This dataset contains information about </a:t>
-            </a:r>
-            <a:r>
-              <a:rPr lang="en-PH" dirty="0" smtClean="0"/>
-              <a:t>cars</a:t>
-            </a:r>
-            <a:endParaRPr lang="en-PH" dirty="0" smtClean="0"/>
+              <a:t>This dataset contains information about cars</a:t>
+            </a:r>
           </a:p>
           <a:p>
             <a:r>
               <a:rPr lang="en-PH" dirty="0" smtClean="0"/>
               <a:t>Data Volume- 205 records , 26 variables</a:t>
             </a:r>
-            <a:endParaRPr lang="en-PH" dirty="0" smtClean="0"/>
           </a:p>
         </p:txBody>
       </p:sp>
@@ -4781,8 +6368,29 @@
                   <a:srgbClr val="0070C0"/>
                 </a:solidFill>
               </a:rPr>
-              <a:t>Toyota, Nissan, Mazda, Honda and Mistubishi</a:t>
-            </a:r>
+              <a:t>Toyota, Nissan, Mazda, Honda and </a:t>
+            </a:r>
+            <a:r>
+              <a:rPr lang="en-PH" sz="2200" dirty="0" err="1" smtClean="0">
+                <a:solidFill>
+                  <a:srgbClr val="0070C0"/>
+                </a:solidFill>
+              </a:rPr>
+              <a:t>Mistubishi</a:t>
+            </a:r>
+            <a:r>
+              <a:rPr lang="en-PH" sz="2200" dirty="0" smtClean="0">
+                <a:solidFill>
+                  <a:srgbClr val="0070C0"/>
+                </a:solidFill>
+              </a:rPr>
+              <a:t>.</a:t>
+            </a:r>
+            <a:endParaRPr lang="en-PH" sz="2200" dirty="0" smtClean="0">
+              <a:solidFill>
+                <a:srgbClr val="0070C0"/>
+              </a:solidFill>
+            </a:endParaRPr>
           </a:p>
           <a:p>
             <a:r>
@@ -4811,7 +6419,7 @@
                   <a:srgbClr val="0070C0"/>
                 </a:solidFill>
               </a:rPr>
-              <a:t>cars</a:t>
+              <a:t>cars.</a:t>
             </a:r>
             <a:endParaRPr lang="en-PH" sz="2200" dirty="0">
               <a:solidFill>
@@ -5073,11 +6681,7 @@
           <a:p>
             <a:r>
               <a:rPr lang="en-PH" dirty="0" smtClean="0"/>
-              <a:t>Most </a:t>
-            </a:r>
-            <a:r>
-              <a:rPr lang="en-PH" dirty="0" smtClean="0"/>
-              <a:t>of the vehicle's </a:t>
+              <a:t>Most of the vehicle's </a:t>
             </a:r>
             <a:r>
               <a:rPr lang="en-PH" dirty="0" smtClean="0">
@@ -5097,15 +6701,7 @@
                   <a:srgbClr val="0070C0"/>
                 </a:solidFill>
               </a:rPr>
-              <a:t>4750 to </a:t>
-            </a:r>
-            <a:r>
-              <a:rPr lang="en-PH" dirty="0" smtClean="0">
-                <a:solidFill>
-                  <a:srgbClr val="0070C0"/>
-                </a:solidFill>
-              </a:rPr>
-              <a:t>5700</a:t>
+              <a:t>4750 to 5700</a:t>
             </a:r>
             <a:r>
               <a:rPr lang="en-PH" dirty="0" smtClean="0"/>
@@ -5118,11 +6714,7 @@
           <a:p>
             <a:r>
               <a:rPr lang="en-PH" dirty="0" smtClean="0"/>
-              <a:t>Most </a:t>
-            </a:r>
-            <a:r>
-              <a:rPr lang="en-PH" dirty="0" smtClean="0"/>
-              <a:t>of the </a:t>
+              <a:t>Most of the </a:t>
             </a:r>
             <a:r>
               <a:rPr lang="en-PH" dirty="0" smtClean="0">
@@ -5142,15 +6734,7 @@
                   <a:srgbClr val="0070C0"/>
                 </a:solidFill>
               </a:rPr>
-              <a:t>2000 to </a:t>
-            </a:r>
-            <a:r>
-              <a:rPr lang="en-PH" dirty="0" smtClean="0">
-                <a:solidFill>
-                  <a:srgbClr val="0070C0"/>
-                </a:solidFill>
-              </a:rPr>
-              <a:t>20000</a:t>
+              <a:t>2000 to 20000</a:t>
             </a:r>
             <a:r>
               <a:rPr lang="en-PH" dirty="0" smtClean="0"/>
@@ -5296,11 +6880,7 @@
             <a:pPr algn="ctr"/>
             <a:r>
               <a:rPr lang="en-PH" sz="3200" dirty="0" smtClean="0"/>
-              <a:t>Which </a:t>
-            </a:r>
-            <a:r>
-              <a:rPr lang="en-PH" sz="3200" dirty="0" smtClean="0"/>
-              <a:t>is the </a:t>
+              <a:t>Which is the </a:t>
             </a:r>
             <a:r>
               <a:rPr lang="en-PH" sz="3200" b="1" dirty="0" smtClean="0">
@@ -5430,6 +7010,938 @@
             <a:r>
               <a:rPr lang="en-PH" dirty="0" smtClean="0"/>
               <a:t> vehicles run on gas.</a:t>
+            </a:r>
+            <a:endParaRPr lang="en-PH" dirty="0"/>
+          </a:p>
+        </p:txBody>
+      </p:sp>
+    </p:spTree>
+  </p:cSld>
+  <p:clrMapOvr>
+    <a:masterClrMapping/>
+  </p:clrMapOvr>
+  <p:timing>
+    <p:tnLst>
+      <p:par>
+        <p:cTn id="1" dur="indefinite" restart="never" nodeType="tmRoot"/>
+      </p:par>
+    </p:tnLst>
+  </p:timing>
+</p:sld>
+</file>
+
+<file path=ppt/slides/slide7.xml><?xml version="1.0" encoding="utf-8"?>
+<p:sld xmlns:a="http://schemas.openxmlformats.org/drawingml/2006/main" xmlns:r="http://schemas.openxmlformats.org/officeDocument/2006/relationships" xmlns:p="http://schemas.openxmlformats.org/presentationml/2006/main">
+  <p:cSld>
+    <p:spTree>
+      <p:nvGrpSpPr>
+        <p:cNvPr id="1" name=""/>
+        <p:cNvGrpSpPr/>
+        <p:nvPr/>
+      </p:nvGrpSpPr>
+      <p:grpSpPr>
+        <a:xfrm>
+          <a:off x="0" y="0"/>
+          <a:ext cx="0" cy="0"/>
+          <a:chOff x="0" y="0"/>
+          <a:chExt cx="0" cy="0"/>
+        </a:xfrm>
+      </p:grpSpPr>
+      <p:sp>
+        <p:nvSpPr>
+          <p:cNvPr id="3" name="Title 1"/>
+          <p:cNvSpPr txBox="1">
+            <a:spLocks/>
+          </p:cNvSpPr>
+          <p:nvPr/>
+        </p:nvSpPr>
+        <p:spPr>
+          <a:xfrm>
+            <a:off x="0" y="152400"/>
+            <a:ext cx="9144000" cy="1143000"/>
+          </a:xfrm>
+          <a:prstGeom prst="rect">
+            <a:avLst/>
+          </a:prstGeom>
+          <a:solidFill>
+            <a:schemeClr val="tx1">
+              <a:lumMod val="85000"/>
+              <a:lumOff val="15000"/>
+            </a:schemeClr>
+          </a:solidFill>
+        </p:spPr>
+        <p:txBody>
+          <a:bodyPr vert="horz" lIns="91440" tIns="45720" rIns="91440" bIns="45720" rtlCol="0" anchor="ctr">
+            <a:normAutofit/>
+          </a:bodyPr>
+          <a:lstStyle/>
+          <a:p>
+            <a:pPr marL="0" marR="0" lvl="0" indent="0" algn="ctr" defTabSz="914400" rtl="0" eaLnBrk="1" fontAlgn="auto" latinLnBrk="0" hangingPunct="1">
+              <a:lnSpc>
+                <a:spcPct val="100000"/>
+              </a:lnSpc>
+              <a:spcBef>
+                <a:spcPct val="0"/>
+              </a:spcBef>
+              <a:spcAft>
+                <a:spcPts val="0"/>
+              </a:spcAft>
+              <a:buClrTx/>
+              <a:buSzTx/>
+              <a:buFontTx/>
+              <a:buNone/>
+              <a:tabLst/>
+              <a:defRPr/>
+            </a:pPr>
+            <a:r>
+              <a:rPr lang="en-PH" sz="3200" dirty="0" smtClean="0">
+                <a:solidFill>
+                  <a:schemeClr val="tx2">
+                    <a:lumMod val="40000"/>
+                    <a:lumOff val="60000"/>
+                  </a:schemeClr>
+                </a:solidFill>
+                <a:latin typeface="Arial Black" pitchFamily="34" charset="0"/>
+                <a:ea typeface="+mj-ea"/>
+                <a:cs typeface="+mj-cs"/>
+              </a:rPr>
+              <a:t>Body style</a:t>
+            </a:r>
+            <a:endParaRPr kumimoji="0" lang="en-PH" sz="3200" b="0" i="0" u="none" strike="noStrike" kern="1200" cap="none" spc="0" normalizeH="0" baseline="0" noProof="0" dirty="0">
+              <a:ln>
+                <a:noFill/>
+              </a:ln>
+              <a:solidFill>
+                <a:schemeClr val="tx2">
+                  <a:lumMod val="40000"/>
+                  <a:lumOff val="60000"/>
+                </a:schemeClr>
+              </a:solidFill>
+              <a:effectLst/>
+              <a:uLnTx/>
+              <a:uFillTx/>
+              <a:latin typeface="Arial Black" pitchFamily="34" charset="0"/>
+              <a:ea typeface="+mj-ea"/>
+              <a:cs typeface="+mj-cs"/>
+            </a:endParaRPr>
+          </a:p>
+        </p:txBody>
+      </p:sp>
+      <p:sp>
+        <p:nvSpPr>
+          <p:cNvPr id="4" name="Rectangle 3"/>
+          <p:cNvSpPr/>
+          <p:nvPr/>
+        </p:nvSpPr>
+        <p:spPr>
+          <a:xfrm>
+            <a:off x="1719202" y="1611868"/>
+            <a:ext cx="5705601" cy="584775"/>
+          </a:xfrm>
+          <a:prstGeom prst="rect">
+            <a:avLst/>
+          </a:prstGeom>
+        </p:spPr>
+        <p:txBody>
+          <a:bodyPr wrap="none">
+            <a:spAutoFit/>
+          </a:bodyPr>
+          <a:lstStyle/>
+          <a:p>
+            <a:pPr algn="ctr"/>
+            <a:r>
+              <a:rPr lang="en-PH" sz="3200" dirty="0" smtClean="0"/>
+              <a:t>Which is the </a:t>
+            </a:r>
+            <a:r>
+              <a:rPr lang="en-PH" sz="3200" b="1" dirty="0" smtClean="0">
+                <a:solidFill>
+                  <a:srgbClr val="0070C0"/>
+                </a:solidFill>
+              </a:rPr>
+              <a:t>popular </a:t>
+            </a:r>
+            <a:r>
+              <a:rPr lang="en-PH" sz="3200" b="1" dirty="0" smtClean="0">
+                <a:solidFill>
+                  <a:srgbClr val="0070C0"/>
+                </a:solidFill>
+              </a:rPr>
+              <a:t>b</a:t>
+            </a:r>
+            <a:r>
+              <a:rPr lang="en-PH" sz="3200" b="1" dirty="0" smtClean="0">
+                <a:solidFill>
+                  <a:srgbClr val="0070C0"/>
+                </a:solidFill>
+              </a:rPr>
+              <a:t>ody style</a:t>
+            </a:r>
+            <a:r>
+              <a:rPr lang="en-PH" sz="3200" dirty="0" smtClean="0"/>
+              <a:t>?</a:t>
+            </a:r>
+            <a:endParaRPr lang="en-PH" sz="3200" dirty="0"/>
+          </a:p>
+        </p:txBody>
+      </p:sp>
+      <p:pic>
+        <p:nvPicPr>
+          <p:cNvPr id="5" name="Picture 4" descr="BodyStyle.jpg"/>
+          <p:cNvPicPr>
+            <a:picLocks noChangeAspect="1"/>
+          </p:cNvPicPr>
+          <p:nvPr/>
+        </p:nvPicPr>
+        <p:blipFill>
+          <a:blip r:embed="rId2" cstate="print"/>
+          <a:stretch>
+            <a:fillRect/>
+          </a:stretch>
+        </p:blipFill>
+        <p:spPr>
+          <a:xfrm>
+            <a:off x="381000" y="2667000"/>
+            <a:ext cx="2362200" cy="3048000"/>
+          </a:xfrm>
+          <a:prstGeom prst="rect">
+            <a:avLst/>
+          </a:prstGeom>
+        </p:spPr>
+      </p:pic>
+      <p:pic>
+        <p:nvPicPr>
+          <p:cNvPr id="6" name="Picture 5" descr="BodyStylePieChart.png"/>
+          <p:cNvPicPr>
+            <a:picLocks noChangeAspect="1"/>
+          </p:cNvPicPr>
+          <p:nvPr/>
+        </p:nvPicPr>
+        <p:blipFill>
+          <a:blip r:embed="rId3" cstate="print"/>
+          <a:stretch>
+            <a:fillRect/>
+          </a:stretch>
+        </p:blipFill>
+        <p:spPr>
+          <a:xfrm>
+            <a:off x="4137233" y="2363821"/>
+            <a:ext cx="3177967" cy="2893979"/>
+          </a:xfrm>
+          <a:prstGeom prst="rect">
+            <a:avLst/>
+          </a:prstGeom>
+        </p:spPr>
+      </p:pic>
+      <p:sp>
+        <p:nvSpPr>
+          <p:cNvPr id="7" name="TextBox 6"/>
+          <p:cNvSpPr txBox="1"/>
+          <p:nvPr/>
+        </p:nvSpPr>
+        <p:spPr>
+          <a:xfrm>
+            <a:off x="3657600" y="5486401"/>
+            <a:ext cx="4648200" cy="1200329"/>
+          </a:xfrm>
+          <a:prstGeom prst="rect">
+            <a:avLst/>
+          </a:prstGeom>
+          <a:noFill/>
+        </p:spPr>
+        <p:txBody>
+          <a:bodyPr wrap="square" rtlCol="0">
+            <a:spAutoFit/>
+          </a:bodyPr>
+          <a:lstStyle/>
+          <a:p>
+            <a:r>
+              <a:rPr lang="en-PH" dirty="0" smtClean="0">
+                <a:solidFill>
+                  <a:srgbClr val="0070C0"/>
+                </a:solidFill>
+              </a:rPr>
+              <a:t>Sedan</a:t>
+            </a:r>
+            <a:r>
+              <a:rPr lang="en-PH" dirty="0" smtClean="0"/>
+              <a:t> and</a:t>
+            </a:r>
+            <a:r>
+              <a:rPr lang="en-PH" dirty="0" smtClean="0">
+                <a:solidFill>
+                  <a:srgbClr val="0070C0"/>
+                </a:solidFill>
+              </a:rPr>
+              <a:t> </a:t>
+            </a:r>
+            <a:r>
+              <a:rPr lang="en-PH" dirty="0" smtClean="0">
+                <a:solidFill>
+                  <a:srgbClr val="0070C0"/>
+                </a:solidFill>
+              </a:rPr>
+              <a:t>hatchback </a:t>
+            </a:r>
+            <a:r>
+              <a:rPr lang="en-PH" dirty="0" smtClean="0"/>
+              <a:t>are popular body style.</a:t>
+            </a:r>
+          </a:p>
+          <a:p>
+            <a:r>
+              <a:rPr lang="en-PH" dirty="0" smtClean="0">
+                <a:solidFill>
+                  <a:srgbClr val="0070C0"/>
+                </a:solidFill>
+              </a:rPr>
+              <a:t>More than 80% </a:t>
+            </a:r>
+            <a:r>
+              <a:rPr lang="en-PH" dirty="0" smtClean="0"/>
+              <a:t>vehicles are of </a:t>
+            </a:r>
+            <a:r>
+              <a:rPr lang="en-PH" dirty="0" smtClean="0">
+                <a:solidFill>
+                  <a:srgbClr val="0070C0"/>
+                </a:solidFill>
+              </a:rPr>
+              <a:t>Sedan and hatchback </a:t>
+            </a:r>
+            <a:r>
+              <a:rPr lang="en-PH" dirty="0" smtClean="0"/>
+              <a:t>body </a:t>
+            </a:r>
+            <a:r>
+              <a:rPr lang="en-PH" dirty="0" smtClean="0"/>
+              <a:t>style.</a:t>
+            </a:r>
+            <a:endParaRPr lang="en-PH" dirty="0" smtClean="0"/>
+          </a:p>
+          <a:p>
+            <a:endParaRPr lang="en-PH" dirty="0"/>
+          </a:p>
+        </p:txBody>
+      </p:sp>
+    </p:spTree>
+  </p:cSld>
+  <p:clrMapOvr>
+    <a:masterClrMapping/>
+  </p:clrMapOvr>
+  <p:timing>
+    <p:tnLst>
+      <p:par>
+        <p:cTn id="1" dur="indefinite" restart="never" nodeType="tmRoot"/>
+      </p:par>
+    </p:tnLst>
+  </p:timing>
+</p:sld>
+</file>
+
+<file path=ppt/slides/slide8.xml><?xml version="1.0" encoding="utf-8"?>
+<p:sld xmlns:a="http://schemas.openxmlformats.org/drawingml/2006/main" xmlns:r="http://schemas.openxmlformats.org/officeDocument/2006/relationships" xmlns:p="http://schemas.openxmlformats.org/presentationml/2006/main">
+  <p:cSld>
+    <p:spTree>
+      <p:nvGrpSpPr>
+        <p:cNvPr id="1" name=""/>
+        <p:cNvGrpSpPr/>
+        <p:nvPr/>
+      </p:nvGrpSpPr>
+      <p:grpSpPr>
+        <a:xfrm>
+          <a:off x="0" y="0"/>
+          <a:ext cx="0" cy="0"/>
+          <a:chOff x="0" y="0"/>
+          <a:chExt cx="0" cy="0"/>
+        </a:xfrm>
+      </p:grpSpPr>
+      <p:sp>
+        <p:nvSpPr>
+          <p:cNvPr id="2" name="Title 1"/>
+          <p:cNvSpPr txBox="1">
+            <a:spLocks/>
+          </p:cNvSpPr>
+          <p:nvPr/>
+        </p:nvSpPr>
+        <p:spPr>
+          <a:xfrm>
+            <a:off x="0" y="152400"/>
+            <a:ext cx="9144000" cy="1143000"/>
+          </a:xfrm>
+          <a:prstGeom prst="rect">
+            <a:avLst/>
+          </a:prstGeom>
+          <a:solidFill>
+            <a:schemeClr val="tx1">
+              <a:lumMod val="85000"/>
+              <a:lumOff val="15000"/>
+            </a:schemeClr>
+          </a:solidFill>
+        </p:spPr>
+        <p:txBody>
+          <a:bodyPr vert="horz" lIns="91440" tIns="45720" rIns="91440" bIns="45720" rtlCol="0" anchor="ctr">
+            <a:normAutofit/>
+          </a:bodyPr>
+          <a:lstStyle/>
+          <a:p>
+            <a:pPr lvl="0" algn="ctr">
+              <a:spcBef>
+                <a:spcPct val="0"/>
+              </a:spcBef>
+              <a:defRPr/>
+            </a:pPr>
+            <a:r>
+              <a:rPr lang="en-PH" sz="3200" dirty="0" smtClean="0">
+                <a:solidFill>
+                  <a:schemeClr val="tx2">
+                    <a:lumMod val="40000"/>
+                    <a:lumOff val="60000"/>
+                  </a:schemeClr>
+                </a:solidFill>
+                <a:latin typeface="Arial Black" pitchFamily="34" charset="0"/>
+                <a:ea typeface="+mj-ea"/>
+                <a:cs typeface="+mj-cs"/>
+              </a:rPr>
+              <a:t>Correlation Analysis</a:t>
+            </a:r>
+            <a:endParaRPr kumimoji="0" lang="en-PH" sz="3200" b="0" i="0" u="none" strike="noStrike" kern="1200" cap="none" spc="0" normalizeH="0" baseline="0" noProof="0" dirty="0">
+              <a:ln>
+                <a:noFill/>
+              </a:ln>
+              <a:solidFill>
+                <a:schemeClr val="tx2">
+                  <a:lumMod val="40000"/>
+                  <a:lumOff val="60000"/>
+                </a:schemeClr>
+              </a:solidFill>
+              <a:effectLst/>
+              <a:uLnTx/>
+              <a:uFillTx/>
+              <a:latin typeface="Arial Black" pitchFamily="34" charset="0"/>
+              <a:ea typeface="+mj-ea"/>
+              <a:cs typeface="+mj-cs"/>
+            </a:endParaRPr>
+          </a:p>
+        </p:txBody>
+      </p:sp>
+      <p:pic>
+        <p:nvPicPr>
+          <p:cNvPr id="3" name="Picture 2" descr="Correlation.png"/>
+          <p:cNvPicPr>
+            <a:picLocks noChangeAspect="1"/>
+          </p:cNvPicPr>
+          <p:nvPr/>
+        </p:nvPicPr>
+        <p:blipFill>
+          <a:blip r:embed="rId2" cstate="print"/>
+          <a:stretch>
+            <a:fillRect/>
+          </a:stretch>
+        </p:blipFill>
+        <p:spPr>
+          <a:xfrm>
+            <a:off x="228600" y="5181600"/>
+            <a:ext cx="1600200" cy="1600200"/>
+          </a:xfrm>
+          <a:prstGeom prst="rect">
+            <a:avLst/>
+          </a:prstGeom>
+        </p:spPr>
+      </p:pic>
+      <p:pic>
+        <p:nvPicPr>
+          <p:cNvPr id="4" name="Picture 3" descr="CorellationHeatmap.png"/>
+          <p:cNvPicPr>
+            <a:picLocks noChangeAspect="1"/>
+          </p:cNvPicPr>
+          <p:nvPr/>
+        </p:nvPicPr>
+        <p:blipFill>
+          <a:blip r:embed="rId3" cstate="print"/>
+          <a:stretch>
+            <a:fillRect/>
+          </a:stretch>
+        </p:blipFill>
+        <p:spPr>
+          <a:xfrm>
+            <a:off x="914400" y="1371600"/>
+            <a:ext cx="7848600" cy="3733800"/>
+          </a:xfrm>
+          <a:prstGeom prst="rect">
+            <a:avLst/>
+          </a:prstGeom>
+        </p:spPr>
+      </p:pic>
+      <p:sp>
+        <p:nvSpPr>
+          <p:cNvPr id="5" name="TextBox 4"/>
+          <p:cNvSpPr txBox="1"/>
+          <p:nvPr/>
+        </p:nvSpPr>
+        <p:spPr>
+          <a:xfrm>
+            <a:off x="3657600" y="5334000"/>
+            <a:ext cx="4572000" cy="1477328"/>
+          </a:xfrm>
+          <a:prstGeom prst="rect">
+            <a:avLst/>
+          </a:prstGeom>
+          <a:noFill/>
+        </p:spPr>
+        <p:txBody>
+          <a:bodyPr wrap="square" rtlCol="0">
+            <a:spAutoFit/>
+          </a:bodyPr>
+          <a:lstStyle/>
+          <a:p>
+            <a:r>
+              <a:rPr lang="en-PH" dirty="0" smtClean="0">
+                <a:solidFill>
+                  <a:srgbClr val="0070C0"/>
+                </a:solidFill>
+              </a:rPr>
+              <a:t>Car price </a:t>
+            </a:r>
+            <a:r>
+              <a:rPr lang="en-PH" dirty="0" smtClean="0"/>
+              <a:t>is </a:t>
+            </a:r>
+            <a:r>
+              <a:rPr lang="en-PH" dirty="0" smtClean="0">
+                <a:solidFill>
+                  <a:srgbClr val="0070C0"/>
+                </a:solidFill>
+              </a:rPr>
+              <a:t>positively </a:t>
+            </a:r>
+            <a:r>
+              <a:rPr lang="en-PH" dirty="0" smtClean="0">
+                <a:solidFill>
+                  <a:srgbClr val="0070C0"/>
+                </a:solidFill>
+              </a:rPr>
+              <a:t>correlated </a:t>
+            </a:r>
+            <a:r>
+              <a:rPr lang="en-PH" dirty="0" smtClean="0"/>
+              <a:t>with </a:t>
+            </a:r>
+            <a:r>
+              <a:rPr lang="en-PH" dirty="0" smtClean="0">
+                <a:solidFill>
+                  <a:srgbClr val="0070C0"/>
+                </a:solidFill>
+              </a:rPr>
+              <a:t>engine size, curb </a:t>
+            </a:r>
+            <a:r>
+              <a:rPr lang="en-PH" dirty="0" smtClean="0">
+                <a:solidFill>
+                  <a:srgbClr val="0070C0"/>
+                </a:solidFill>
+              </a:rPr>
+              <a:t>weight.</a:t>
+            </a:r>
+            <a:endParaRPr lang="en-PH" dirty="0" smtClean="0">
+              <a:solidFill>
+                <a:srgbClr val="0070C0"/>
+              </a:solidFill>
+            </a:endParaRPr>
+          </a:p>
+          <a:p>
+            <a:r>
+              <a:rPr lang="en-PH" dirty="0" smtClean="0">
+                <a:solidFill>
+                  <a:srgbClr val="0070C0"/>
+                </a:solidFill>
+              </a:rPr>
+              <a:t>Curb weight </a:t>
+            </a:r>
+            <a:r>
+              <a:rPr lang="en-PH" dirty="0" smtClean="0"/>
+              <a:t>is </a:t>
+            </a:r>
+            <a:r>
+              <a:rPr lang="en-PH" dirty="0" smtClean="0">
+                <a:solidFill>
+                  <a:srgbClr val="0070C0"/>
+                </a:solidFill>
+              </a:rPr>
+              <a:t>mostly correlated </a:t>
+            </a:r>
+            <a:r>
+              <a:rPr lang="en-PH" dirty="0" smtClean="0"/>
+              <a:t>with </a:t>
+            </a:r>
+            <a:r>
+              <a:rPr lang="en-PH" dirty="0" smtClean="0">
+                <a:solidFill>
+                  <a:srgbClr val="0070C0"/>
+                </a:solidFill>
+              </a:rPr>
+              <a:t>engine size, length and </a:t>
+            </a:r>
+            <a:r>
+              <a:rPr lang="en-PH" dirty="0" smtClean="0">
+                <a:solidFill>
+                  <a:srgbClr val="0070C0"/>
+                </a:solidFill>
+              </a:rPr>
+              <a:t>width.</a:t>
+            </a:r>
+            <a:endParaRPr lang="en-PH" dirty="0" smtClean="0">
+              <a:solidFill>
+                <a:srgbClr val="0070C0"/>
+              </a:solidFill>
+            </a:endParaRPr>
+          </a:p>
+          <a:p>
+            <a:endParaRPr lang="en-PH" dirty="0"/>
+          </a:p>
+        </p:txBody>
+      </p:sp>
+    </p:spTree>
+  </p:cSld>
+  <p:clrMapOvr>
+    <a:masterClrMapping/>
+  </p:clrMapOvr>
+  <p:timing>
+    <p:tnLst>
+      <p:par>
+        <p:cTn id="1" dur="indefinite" restart="never" nodeType="tmRoot"/>
+      </p:par>
+    </p:tnLst>
+  </p:timing>
+</p:sld>
+</file>
+
+<file path=ppt/slides/slide9.xml><?xml version="1.0" encoding="utf-8"?>
+<p:sld xmlns:a="http://schemas.openxmlformats.org/drawingml/2006/main" xmlns:r="http://schemas.openxmlformats.org/officeDocument/2006/relationships" xmlns:p="http://schemas.openxmlformats.org/presentationml/2006/main">
+  <p:cSld>
+    <p:spTree>
+      <p:nvGrpSpPr>
+        <p:cNvPr id="1" name=""/>
+        <p:cNvGrpSpPr/>
+        <p:nvPr/>
+      </p:nvGrpSpPr>
+      <p:grpSpPr>
+        <a:xfrm>
+          <a:off x="0" y="0"/>
+          <a:ext cx="0" cy="0"/>
+          <a:chOff x="0" y="0"/>
+          <a:chExt cx="0" cy="0"/>
+        </a:xfrm>
+      </p:grpSpPr>
+      <p:sp>
+        <p:nvSpPr>
+          <p:cNvPr id="2" name="Title 1"/>
+          <p:cNvSpPr txBox="1">
+            <a:spLocks/>
+          </p:cNvSpPr>
+          <p:nvPr/>
+        </p:nvSpPr>
+        <p:spPr>
+          <a:xfrm>
+            <a:off x="0" y="152400"/>
+            <a:ext cx="9144000" cy="1143000"/>
+          </a:xfrm>
+          <a:prstGeom prst="rect">
+            <a:avLst/>
+          </a:prstGeom>
+          <a:solidFill>
+            <a:schemeClr val="tx1">
+              <a:lumMod val="85000"/>
+              <a:lumOff val="15000"/>
+            </a:schemeClr>
+          </a:solidFill>
+        </p:spPr>
+        <p:txBody>
+          <a:bodyPr vert="horz" lIns="91440" tIns="45720" rIns="91440" bIns="45720" rtlCol="0" anchor="ctr">
+            <a:normAutofit/>
+          </a:bodyPr>
+          <a:lstStyle/>
+          <a:p>
+            <a:pPr lvl="0" algn="ctr">
+              <a:spcBef>
+                <a:spcPct val="0"/>
+              </a:spcBef>
+              <a:defRPr/>
+            </a:pPr>
+            <a:r>
+              <a:rPr lang="en-PH" sz="3200" dirty="0" smtClean="0">
+                <a:solidFill>
+                  <a:schemeClr val="tx2">
+                    <a:lumMod val="40000"/>
+                    <a:lumOff val="60000"/>
+                  </a:schemeClr>
+                </a:solidFill>
+                <a:latin typeface="Arial Black" pitchFamily="34" charset="0"/>
+                <a:ea typeface="+mj-ea"/>
+                <a:cs typeface="+mj-cs"/>
+              </a:rPr>
+              <a:t>Car make and price</a:t>
+            </a:r>
+            <a:endParaRPr kumimoji="0" lang="en-PH" sz="3200" b="0" i="0" u="none" strike="noStrike" kern="1200" cap="none" spc="0" normalizeH="0" baseline="0" noProof="0" dirty="0">
+              <a:ln>
+                <a:noFill/>
+              </a:ln>
+              <a:solidFill>
+                <a:schemeClr val="tx2">
+                  <a:lumMod val="40000"/>
+                  <a:lumOff val="60000"/>
+                </a:schemeClr>
+              </a:solidFill>
+              <a:effectLst/>
+              <a:uLnTx/>
+              <a:uFillTx/>
+              <a:latin typeface="Arial Black" pitchFamily="34" charset="0"/>
+              <a:ea typeface="+mj-ea"/>
+              <a:cs typeface="+mj-cs"/>
+            </a:endParaRPr>
+          </a:p>
+        </p:txBody>
+      </p:sp>
+      <p:pic>
+        <p:nvPicPr>
+          <p:cNvPr id="3" name="Picture 2" descr="CarMakeandPrice.jpg"/>
+          <p:cNvPicPr>
+            <a:picLocks noChangeAspect="1"/>
+          </p:cNvPicPr>
+          <p:nvPr/>
+        </p:nvPicPr>
+        <p:blipFill>
+          <a:blip r:embed="rId2" cstate="print"/>
+          <a:stretch>
+            <a:fillRect/>
+          </a:stretch>
+        </p:blipFill>
+        <p:spPr>
+          <a:xfrm>
+            <a:off x="152401" y="4693000"/>
+            <a:ext cx="3124200" cy="2088799"/>
+          </a:xfrm>
+          <a:prstGeom prst="rect">
+            <a:avLst/>
+          </a:prstGeom>
+        </p:spPr>
+      </p:pic>
+      <p:pic>
+        <p:nvPicPr>
+          <p:cNvPr id="4" name="Picture 3" descr="CarMakeAndPriceBoxPlot.png"/>
+          <p:cNvPicPr>
+            <a:picLocks noChangeAspect="1"/>
+          </p:cNvPicPr>
+          <p:nvPr/>
+        </p:nvPicPr>
+        <p:blipFill>
+          <a:blip r:embed="rId3" cstate="print"/>
+          <a:stretch>
+            <a:fillRect/>
+          </a:stretch>
+        </p:blipFill>
+        <p:spPr>
+          <a:xfrm>
+            <a:off x="534142" y="1328941"/>
+            <a:ext cx="8000258" cy="3319259"/>
+          </a:xfrm>
+          <a:prstGeom prst="rect">
+            <a:avLst/>
+          </a:prstGeom>
+        </p:spPr>
+      </p:pic>
+      <p:sp>
+        <p:nvSpPr>
+          <p:cNvPr id="5" name="TextBox 4"/>
+          <p:cNvSpPr txBox="1"/>
+          <p:nvPr/>
+        </p:nvSpPr>
+        <p:spPr>
+          <a:xfrm>
+            <a:off x="3429000" y="4572000"/>
+            <a:ext cx="5257800" cy="2308324"/>
+          </a:xfrm>
+          <a:prstGeom prst="rect">
+            <a:avLst/>
+          </a:prstGeom>
+          <a:noFill/>
+        </p:spPr>
+        <p:txBody>
+          <a:bodyPr wrap="square" rtlCol="0">
+            <a:spAutoFit/>
+          </a:bodyPr>
+          <a:lstStyle/>
+          <a:p>
+            <a:r>
+              <a:rPr lang="en-PH" dirty="0" smtClean="0">
+                <a:solidFill>
+                  <a:srgbClr val="0070C0"/>
+                </a:solidFill>
+              </a:rPr>
+              <a:t>Most expensive </a:t>
+            </a:r>
+            <a:r>
+              <a:rPr lang="en-PH" dirty="0" smtClean="0"/>
+              <a:t>cars are of make-</a:t>
+            </a:r>
+            <a:r>
+              <a:rPr lang="en-PH" dirty="0" err="1" smtClean="0">
+                <a:solidFill>
+                  <a:srgbClr val="0070C0"/>
+                </a:solidFill>
+              </a:rPr>
+              <a:t>Mercedez</a:t>
+            </a:r>
+            <a:r>
+              <a:rPr lang="en-PH" dirty="0" smtClean="0">
+                <a:solidFill>
+                  <a:srgbClr val="0070C0"/>
+                </a:solidFill>
+              </a:rPr>
+              <a:t> </a:t>
+            </a:r>
+            <a:r>
+              <a:rPr lang="en-PH" dirty="0" err="1" smtClean="0">
+                <a:solidFill>
+                  <a:srgbClr val="0070C0"/>
+                </a:solidFill>
+              </a:rPr>
+              <a:t>benz</a:t>
+            </a:r>
+            <a:r>
+              <a:rPr lang="en-PH" dirty="0" smtClean="0">
+                <a:solidFill>
+                  <a:srgbClr val="0070C0"/>
+                </a:solidFill>
+              </a:rPr>
+              <a:t> </a:t>
+            </a:r>
+            <a:r>
+              <a:rPr lang="en-PH" dirty="0" smtClean="0"/>
+              <a:t>and </a:t>
+            </a:r>
+            <a:r>
+              <a:rPr lang="en-PH" dirty="0" smtClean="0">
+                <a:solidFill>
+                  <a:srgbClr val="0070C0"/>
+                </a:solidFill>
+              </a:rPr>
+              <a:t>least expensive </a:t>
+            </a:r>
+            <a:r>
+              <a:rPr lang="en-PH" dirty="0" smtClean="0"/>
+              <a:t>cars are of make- </a:t>
+            </a:r>
+            <a:r>
+              <a:rPr lang="en-PH" dirty="0" err="1" smtClean="0">
+                <a:solidFill>
+                  <a:srgbClr val="0070C0"/>
+                </a:solidFill>
+              </a:rPr>
+              <a:t>chevrolet</a:t>
+            </a:r>
+            <a:r>
+              <a:rPr lang="en-PH" dirty="0" smtClean="0">
+                <a:solidFill>
+                  <a:srgbClr val="0070C0"/>
+                </a:solidFill>
+              </a:rPr>
+              <a:t>.</a:t>
+            </a:r>
+            <a:endParaRPr lang="en-PH" dirty="0" smtClean="0">
+              <a:solidFill>
+                <a:srgbClr val="0070C0"/>
+              </a:solidFill>
+            </a:endParaRPr>
+          </a:p>
+          <a:p>
+            <a:r>
+              <a:rPr lang="en-PH" dirty="0" smtClean="0"/>
+              <a:t>Price ranges </a:t>
+            </a:r>
+            <a:r>
+              <a:rPr lang="en-PH" dirty="0" smtClean="0">
+                <a:solidFill>
+                  <a:srgbClr val="0070C0"/>
+                </a:solidFill>
+              </a:rPr>
+              <a:t>Premium Cars-20000+ Mid range-10000 to 20000 and Budget cars- less than </a:t>
+            </a:r>
+            <a:r>
+              <a:rPr lang="en-PH" dirty="0" smtClean="0">
+                <a:solidFill>
+                  <a:srgbClr val="0070C0"/>
+                </a:solidFill>
+              </a:rPr>
+              <a:t>10000.</a:t>
+            </a:r>
+          </a:p>
+          <a:p>
+            <a:r>
+              <a:rPr lang="en-PH" dirty="0" smtClean="0">
+                <a:solidFill>
+                  <a:srgbClr val="0070C0"/>
+                </a:solidFill>
+              </a:rPr>
+              <a:t>Premium car makes- </a:t>
+            </a:r>
+            <a:r>
+              <a:rPr lang="en-PH" dirty="0" err="1" smtClean="0"/>
+              <a:t>BMW,Jaguar</a:t>
+            </a:r>
+            <a:r>
+              <a:rPr lang="en-PH" dirty="0" smtClean="0"/>
+              <a:t>, </a:t>
+            </a:r>
+            <a:r>
+              <a:rPr lang="en-PH" dirty="0" err="1" smtClean="0"/>
+              <a:t>Mercedez</a:t>
+            </a:r>
+            <a:r>
+              <a:rPr lang="en-PH" dirty="0" smtClean="0"/>
+              <a:t> Benz and </a:t>
+            </a:r>
+            <a:r>
+              <a:rPr lang="en-PH" dirty="0" err="1" smtClean="0"/>
+              <a:t>Porche</a:t>
+            </a:r>
+            <a:r>
+              <a:rPr lang="en-PH" dirty="0" smtClean="0"/>
+              <a:t>.</a:t>
+            </a:r>
+          </a:p>
+          <a:p>
+            <a:r>
+              <a:rPr lang="en-PH" dirty="0" smtClean="0">
+                <a:solidFill>
+                  <a:srgbClr val="0070C0"/>
+                </a:solidFill>
+              </a:rPr>
+              <a:t>Budget car makes </a:t>
+            </a:r>
+            <a:r>
+              <a:rPr lang="en-PH" dirty="0" smtClean="0"/>
+              <a:t>are- </a:t>
+            </a:r>
+            <a:r>
+              <a:rPr lang="en-PH" dirty="0" err="1" smtClean="0"/>
+              <a:t>Chervolet</a:t>
+            </a:r>
+            <a:r>
+              <a:rPr lang="en-PH" dirty="0" smtClean="0"/>
+              <a:t>, Dodge, Honda, </a:t>
+            </a:r>
+            <a:r>
+              <a:rPr lang="en-PH" dirty="0" err="1" smtClean="0"/>
+              <a:t>Mistubishi</a:t>
+            </a:r>
+            <a:r>
+              <a:rPr lang="en-PH" dirty="0" smtClean="0"/>
+              <a:t>, Plymouth and R</a:t>
+            </a:r>
+            <a:r>
+              <a:rPr lang="en-PH" dirty="0" smtClean="0"/>
+              <a:t>enault.</a:t>
             </a:r>
             <a:endParaRPr lang="en-PH" dirty="0"/>
           </a:p>

--- a/EDA_Automobile_Data.pptx
+++ b/EDA_Automobile_Data.pptx
@@ -304,7 +304,7 @@
             <a:fld id="{1D8BD707-D9CF-40AE-B4C6-C98DA3205C09}" type="datetimeFigureOut">
               <a:rPr lang="en-US" smtClean="0"/>
               <a:pPr/>
-              <a:t>9/26/2018</a:t>
+              <a:t>9/28/2018</a:t>
             </a:fld>
             <a:endParaRPr lang="en-US"/>
           </a:p>
@@ -471,7 +471,7 @@
             <a:fld id="{1D8BD707-D9CF-40AE-B4C6-C98DA3205C09}" type="datetimeFigureOut">
               <a:rPr lang="en-US" smtClean="0"/>
               <a:pPr/>
-              <a:t>9/26/2018</a:t>
+              <a:t>9/28/2018</a:t>
             </a:fld>
             <a:endParaRPr lang="en-US"/>
           </a:p>
@@ -648,7 +648,7 @@
             <a:fld id="{1D8BD707-D9CF-40AE-B4C6-C98DA3205C09}" type="datetimeFigureOut">
               <a:rPr lang="en-US" smtClean="0"/>
               <a:pPr/>
-              <a:t>9/26/2018</a:t>
+              <a:t>9/28/2018</a:t>
             </a:fld>
             <a:endParaRPr lang="en-US"/>
           </a:p>
@@ -815,7 +815,7 @@
             <a:fld id="{1D8BD707-D9CF-40AE-B4C6-C98DA3205C09}" type="datetimeFigureOut">
               <a:rPr lang="en-US" smtClean="0"/>
               <a:pPr/>
-              <a:t>9/26/2018</a:t>
+              <a:t>9/28/2018</a:t>
             </a:fld>
             <a:endParaRPr lang="en-US"/>
           </a:p>
@@ -1058,7 +1058,7 @@
             <a:fld id="{1D8BD707-D9CF-40AE-B4C6-C98DA3205C09}" type="datetimeFigureOut">
               <a:rPr lang="en-US" smtClean="0"/>
               <a:pPr/>
-              <a:t>9/26/2018</a:t>
+              <a:t>9/28/2018</a:t>
             </a:fld>
             <a:endParaRPr lang="en-US"/>
           </a:p>
@@ -1343,7 +1343,7 @@
             <a:fld id="{1D8BD707-D9CF-40AE-B4C6-C98DA3205C09}" type="datetimeFigureOut">
               <a:rPr lang="en-US" smtClean="0"/>
               <a:pPr/>
-              <a:t>9/26/2018</a:t>
+              <a:t>9/28/2018</a:t>
             </a:fld>
             <a:endParaRPr lang="en-US"/>
           </a:p>
@@ -1762,7 +1762,7 @@
             <a:fld id="{1D8BD707-D9CF-40AE-B4C6-C98DA3205C09}" type="datetimeFigureOut">
               <a:rPr lang="en-US" smtClean="0"/>
               <a:pPr/>
-              <a:t>9/26/2018</a:t>
+              <a:t>9/28/2018</a:t>
             </a:fld>
             <a:endParaRPr lang="en-US"/>
           </a:p>
@@ -1877,7 +1877,7 @@
             <a:fld id="{1D8BD707-D9CF-40AE-B4C6-C98DA3205C09}" type="datetimeFigureOut">
               <a:rPr lang="en-US" smtClean="0"/>
               <a:pPr/>
-              <a:t>9/26/2018</a:t>
+              <a:t>9/28/2018</a:t>
             </a:fld>
             <a:endParaRPr lang="en-US"/>
           </a:p>
@@ -1969,7 +1969,7 @@
             <a:fld id="{1D8BD707-D9CF-40AE-B4C6-C98DA3205C09}" type="datetimeFigureOut">
               <a:rPr lang="en-US" smtClean="0"/>
               <a:pPr/>
-              <a:t>9/26/2018</a:t>
+              <a:t>9/28/2018</a:t>
             </a:fld>
             <a:endParaRPr lang="en-US"/>
           </a:p>
@@ -2243,7 +2243,7 @@
             <a:fld id="{1D8BD707-D9CF-40AE-B4C6-C98DA3205C09}" type="datetimeFigureOut">
               <a:rPr lang="en-US" smtClean="0"/>
               <a:pPr/>
-              <a:t>9/26/2018</a:t>
+              <a:t>9/28/2018</a:t>
             </a:fld>
             <a:endParaRPr lang="en-US"/>
           </a:p>
@@ -2493,7 +2493,7 @@
             <a:fld id="{1D8BD707-D9CF-40AE-B4C6-C98DA3205C09}" type="datetimeFigureOut">
               <a:rPr lang="en-US" smtClean="0"/>
               <a:pPr/>
-              <a:t>9/26/2018</a:t>
+              <a:t>9/28/2018</a:t>
             </a:fld>
             <a:endParaRPr lang="en-US"/>
           </a:p>
@@ -2703,7 +2703,7 @@
             <a:fld id="{1D8BD707-D9CF-40AE-B4C6-C98DA3205C09}" type="datetimeFigureOut">
               <a:rPr lang="en-US" smtClean="0"/>
               <a:pPr/>
-              <a:t>9/26/2018</a:t>
+              <a:t>9/28/2018</a:t>
             </a:fld>
             <a:endParaRPr lang="en-US"/>
           </a:p>
@@ -3524,15 +3524,7 @@
                   <a:srgbClr val="0070C0"/>
                 </a:solidFill>
               </a:rPr>
-              <a:t>costlier when engine size is </a:t>
-            </a:r>
-            <a:r>
-              <a:rPr lang="en-PH" dirty="0" smtClean="0">
-                <a:solidFill>
-                  <a:srgbClr val="0070C0"/>
-                </a:solidFill>
-              </a:rPr>
-              <a:t>more</a:t>
+              <a:t>costlier when engine size is more</a:t>
             </a:r>
             <a:r>
               <a:rPr lang="en-PH" dirty="0" smtClean="0"/>
@@ -3657,35 +3649,7 @@
                 <a:ea typeface="+mj-ea"/>
                 <a:cs typeface="+mj-cs"/>
               </a:rPr>
-              <a:t>Drive </a:t>
-            </a:r>
-            <a:r>
-              <a:rPr lang="en-PH" sz="3200" dirty="0" smtClean="0">
-                <a:solidFill>
-                  <a:schemeClr val="tx2">
-                    <a:lumMod val="40000"/>
-                    <a:lumOff val="60000"/>
-                  </a:schemeClr>
-                </a:solidFill>
-                <a:latin typeface="Arial Black" pitchFamily="34" charset="0"/>
-                <a:ea typeface="+mj-ea"/>
-                <a:cs typeface="+mj-cs"/>
-              </a:rPr>
-              <a:t>wheels, Body </a:t>
-            </a:r>
-            <a:r>
-              <a:rPr lang="en-PH" sz="3200" dirty="0" smtClean="0">
-                <a:solidFill>
-                  <a:schemeClr val="tx2">
-                    <a:lumMod val="40000"/>
-                    <a:lumOff val="60000"/>
-                  </a:schemeClr>
-                </a:solidFill>
-                <a:latin typeface="Arial Black" pitchFamily="34" charset="0"/>
-                <a:ea typeface="+mj-ea"/>
-                <a:cs typeface="+mj-cs"/>
-              </a:rPr>
-              <a:t>Style and Price</a:t>
+              <a:t>Drive wheels, Body Style and Price</a:t>
             </a:r>
             <a:endParaRPr kumimoji="0" lang="en-PH" sz="3200" b="0" i="0" u="none" strike="noStrike" kern="1200" cap="none" spc="0" normalizeH="0" baseline="0" noProof="0" dirty="0">
               <a:ln>
@@ -3813,7 +3777,6 @@
               <a:rPr lang="en-PH" dirty="0" smtClean="0"/>
               <a:t>.</a:t>
             </a:r>
-            <a:endParaRPr lang="en-PH" dirty="0" smtClean="0"/>
           </a:p>
           <a:p>
             <a:r>
@@ -3838,11 +3801,7 @@
             </a:r>
             <a:r>
               <a:rPr lang="en-PH" dirty="0" smtClean="0"/>
-              <a:t>compare to Rear engine and four wheel drive </a:t>
-            </a:r>
-            <a:r>
-              <a:rPr lang="en-PH" dirty="0" smtClean="0"/>
-              <a:t>cars</a:t>
+              <a:t>compare to Rear engine and four wheel drive cars</a:t>
             </a:r>
             <a:r>
               <a:rPr lang="en-PH" dirty="0" smtClean="0">
@@ -3852,11 +3811,6 @@
               </a:rPr>
               <a:t>.</a:t>
             </a:r>
-            <a:endParaRPr lang="en-PH" dirty="0" smtClean="0">
-              <a:solidFill>
-                <a:srgbClr val="0070C0"/>
-              </a:solidFill>
-            </a:endParaRPr>
           </a:p>
           <a:p>
             <a:r>
@@ -3881,13 +3835,8 @@
             </a:r>
             <a:r>
               <a:rPr lang="en-PH" dirty="0" smtClean="0"/>
-              <a:t>than front wheel drive </a:t>
-            </a:r>
-            <a:r>
-              <a:rPr lang="en-PH" dirty="0" smtClean="0"/>
-              <a:t>cars.</a:t>
-            </a:r>
-            <a:endParaRPr lang="en-PH" dirty="0" smtClean="0"/>
+              <a:t>than front wheel drive cars.</a:t>
+            </a:r>
           </a:p>
           <a:p>
             <a:r>
@@ -3912,11 +3861,7 @@
             </a:r>
             <a:r>
               <a:rPr lang="en-PH" dirty="0" smtClean="0"/>
-              <a:t>in all drive wheel </a:t>
-            </a:r>
-            <a:r>
-              <a:rPr lang="en-PH" dirty="0" smtClean="0"/>
-              <a:t>categories.</a:t>
+              <a:t>in all drive wheel categories.</a:t>
             </a:r>
             <a:endParaRPr lang="en-PH" dirty="0"/>
           </a:p>
@@ -4113,11 +4058,6 @@
               </a:rPr>
               <a:t>expensive.</a:t>
             </a:r>
-            <a:endParaRPr lang="en-PH" dirty="0" smtClean="0">
-              <a:solidFill>
-                <a:srgbClr val="0070C0"/>
-              </a:solidFill>
-            </a:endParaRPr>
           </a:p>
           <a:p>
             <a:r>
@@ -4138,21 +4078,8 @@
                   <a:srgbClr val="0070C0"/>
                 </a:solidFill>
               </a:rPr>
-              <a:t>budget </a:t>
-            </a:r>
-            <a:r>
-              <a:rPr lang="en-PH" dirty="0" smtClean="0">
-                <a:solidFill>
-                  <a:srgbClr val="0070C0"/>
-                </a:solidFill>
-              </a:rPr>
-              <a:t>cars.</a:t>
-            </a:r>
-            <a:endParaRPr lang="en-PH" dirty="0" smtClean="0">
-              <a:solidFill>
-                <a:srgbClr val="0070C0"/>
-              </a:solidFill>
-            </a:endParaRPr>
+              <a:t>budget cars.</a:t>
+            </a:r>
           </a:p>
           <a:p>
             <a:endParaRPr lang="en-PH" dirty="0"/>
@@ -4360,21 +4287,8 @@
                   <a:srgbClr val="0070C0"/>
                 </a:solidFill>
               </a:rPr>
-              <a:t>better in </a:t>
-            </a:r>
-            <a:r>
-              <a:rPr lang="en-PH" dirty="0" smtClean="0">
-                <a:solidFill>
-                  <a:srgbClr val="0070C0"/>
-                </a:solidFill>
-              </a:rPr>
-              <a:t>mileage.</a:t>
-            </a:r>
-            <a:endParaRPr lang="en-PH" dirty="0" smtClean="0">
-              <a:solidFill>
-                <a:srgbClr val="0070C0"/>
-              </a:solidFill>
-            </a:endParaRPr>
+              <a:t>better in mileage.</a:t>
+            </a:r>
           </a:p>
         </p:txBody>
       </p:sp>
@@ -4571,11 +4485,7 @@
             </a:r>
             <a:r>
               <a:rPr lang="en-PH" dirty="0" smtClean="0"/>
-              <a:t>than for the standard </a:t>
-            </a:r>
-            <a:r>
-              <a:rPr lang="en-PH" dirty="0" smtClean="0"/>
-              <a:t>model</a:t>
+              <a:t>than for the standard model</a:t>
             </a:r>
             <a:r>
               <a:rPr lang="en-PH" dirty="0" smtClean="0">
@@ -4585,11 +4495,6 @@
               </a:rPr>
               <a:t>.</a:t>
             </a:r>
-            <a:endParaRPr lang="en-PH" dirty="0" smtClean="0">
-              <a:solidFill>
-                <a:srgbClr val="0070C0"/>
-              </a:solidFill>
-            </a:endParaRPr>
           </a:p>
           <a:p>
             <a:r>
@@ -4610,15 +4515,7 @@
                   <a:srgbClr val="0070C0"/>
                 </a:solidFill>
               </a:rPr>
-              <a:t>don't </a:t>
-            </a:r>
-            <a:r>
-              <a:rPr lang="en-PH" dirty="0" smtClean="0">
-                <a:solidFill>
-                  <a:srgbClr val="0070C0"/>
-                </a:solidFill>
-              </a:rPr>
-              <a:t>have Turbo </a:t>
+              <a:t>don't have Turbo </a:t>
             </a:r>
             <a:r>
               <a:rPr lang="en-PH" dirty="0" smtClean="0"/>
@@ -4632,11 +4529,6 @@
               </a:rPr>
               <a:t>.</a:t>
             </a:r>
-            <a:endParaRPr lang="en-PH" dirty="0" smtClean="0">
-              <a:solidFill>
-                <a:srgbClr val="0070C0"/>
-              </a:solidFill>
-            </a:endParaRPr>
           </a:p>
           <a:p>
             <a:endParaRPr lang="en-PH" dirty="0"/>
@@ -4848,15 +4740,7 @@
             </a:pPr>
             <a:r>
               <a:rPr lang="en-PH" sz="2400" dirty="0" smtClean="0"/>
-              <a:t>Popular </a:t>
-            </a:r>
-            <a:r>
-              <a:rPr lang="en-PH" sz="2400" dirty="0" smtClean="0"/>
-              <a:t>make, body </a:t>
-            </a:r>
-            <a:r>
-              <a:rPr lang="en-PH" sz="2400" dirty="0" smtClean="0"/>
-              <a:t>styles and fuel type</a:t>
+              <a:t>Popular make, body styles and fuel type</a:t>
             </a:r>
           </a:p>
           <a:p>
@@ -5044,7 +4928,7 @@
         </p:nvSpPr>
         <p:spPr>
           <a:xfrm>
-            <a:off x="228600" y="1295400"/>
+            <a:off x="304800" y="1258669"/>
             <a:ext cx="8382000" cy="646331"/>
           </a:xfrm>
           <a:prstGeom prst="rect">
@@ -5093,7 +4977,7 @@
         <p:spPr>
           <a:xfrm>
             <a:off x="3349487" y="1905000"/>
-            <a:ext cx="2527852" cy="369332"/>
+            <a:ext cx="2441713" cy="369332"/>
           </a:xfrm>
           <a:prstGeom prst="rect">
             <a:avLst/>
@@ -5123,8 +5007,8 @@
           <p:nvPr/>
         </p:nvGraphicFramePr>
         <p:xfrm>
-          <a:off x="304800" y="2301240"/>
-          <a:ext cx="8305800" cy="4480560"/>
+          <a:off x="152400" y="2282734"/>
+          <a:ext cx="8915400" cy="4346666"/>
         </p:xfrm>
         <a:graphic>
           <a:graphicData uri="http://schemas.openxmlformats.org/drawingml/2006/table">
@@ -5133,12 +5017,12 @@
                 <a:tableStyleId>{5C22544A-7EE6-4342-B048-85BDC9FD1C3A}</a:tableStyleId>
               </a:tblPr>
               <a:tblGrid>
-                <a:gridCol w="2230262"/>
-                <a:gridCol w="1922638"/>
-                <a:gridCol w="2076450"/>
-                <a:gridCol w="2076450"/>
+                <a:gridCol w="2393951"/>
+                <a:gridCol w="2063749"/>
+                <a:gridCol w="2228850"/>
+                <a:gridCol w="2228850"/>
               </a:tblGrid>
-              <a:tr h="273698">
+              <a:tr h="289560">
                 <a:tc>
                   <a:txBody>
                     <a:bodyPr/>
@@ -5166,9 +5050,9 @@
                     <a:lstStyle/>
                     <a:p>
                       <a:r>
-                        <a:rPr lang="en-PH" sz="1400" b="1" kern="1200" baseline="0" dirty="0" smtClean="0">
+                        <a:rPr lang="en-PH" sz="1200" kern="1200" baseline="0" dirty="0" smtClean="0">
                           <a:solidFill>
-                            <a:schemeClr val="lt1"/>
+                            <a:schemeClr val="dk1"/>
                           </a:solidFill>
                           <a:latin typeface="+mn-lt"/>
                           <a:ea typeface="+mn-ea"/>
@@ -5176,7 +5060,14 @@
                         </a:rPr>
                         <a:t>Attribute Range </a:t>
                       </a:r>
-                      <a:endParaRPr lang="en-PH" sz="1400" dirty="0"/>
+                      <a:endParaRPr lang="en-PH" sz="1200" kern="1200" baseline="0" dirty="0">
+                        <a:solidFill>
+                          <a:schemeClr val="dk1"/>
+                        </a:solidFill>
+                        <a:latin typeface="+mn-lt"/>
+                        <a:ea typeface="+mn-ea"/>
+                        <a:cs typeface="+mn-cs"/>
+                      </a:endParaRPr>
                     </a:p>
                   </a:txBody>
                   <a:tcPr/>
@@ -5187,9 +5078,9 @@
                     <a:lstStyle/>
                     <a:p>
                       <a:r>
-                        <a:rPr lang="en-PH" sz="1400" b="1" kern="1200" baseline="0" dirty="0" smtClean="0">
+                        <a:rPr lang="en-PH" sz="1200" kern="1200" baseline="0" dirty="0" smtClean="0">
                           <a:solidFill>
-                            <a:schemeClr val="lt1"/>
+                            <a:schemeClr val="dk1"/>
                           </a:solidFill>
                           <a:latin typeface="+mn-lt"/>
                           <a:ea typeface="+mn-ea"/>
@@ -5197,7 +5088,14 @@
                         </a:rPr>
                         <a:t>Attribute </a:t>
                       </a:r>
-                      <a:endParaRPr lang="en-PH" sz="1400" dirty="0"/>
+                      <a:endParaRPr lang="en-PH" sz="1200" kern="1200" baseline="0" dirty="0">
+                        <a:solidFill>
+                          <a:schemeClr val="dk1"/>
+                        </a:solidFill>
+                        <a:latin typeface="+mn-lt"/>
+                        <a:ea typeface="+mn-ea"/>
+                        <a:cs typeface="+mn-cs"/>
+                      </a:endParaRPr>
                     </a:p>
                   </a:txBody>
                   <a:tcPr/>
@@ -5208,9 +5106,9 @@
                     <a:lstStyle/>
                     <a:p>
                       <a:r>
-                        <a:rPr lang="en-PH" sz="1400" b="1" kern="1200" baseline="0" dirty="0" smtClean="0">
+                        <a:rPr lang="en-PH" sz="1200" kern="1200" baseline="0" dirty="0" smtClean="0">
                           <a:solidFill>
-                            <a:schemeClr val="lt1"/>
+                            <a:schemeClr val="dk1"/>
                           </a:solidFill>
                           <a:latin typeface="+mn-lt"/>
                           <a:ea typeface="+mn-ea"/>
@@ -5218,7 +5116,14 @@
                         </a:rPr>
                         <a:t>Attribute Range </a:t>
                       </a:r>
-                      <a:endParaRPr lang="en-PH" sz="1400" dirty="0"/>
+                      <a:endParaRPr lang="en-PH" sz="1200" kern="1200" baseline="0" dirty="0">
+                        <a:solidFill>
+                          <a:schemeClr val="dk1"/>
+                        </a:solidFill>
+                        <a:latin typeface="+mn-lt"/>
+                        <a:ea typeface="+mn-ea"/>
+                        <a:cs typeface="+mn-cs"/>
+                      </a:endParaRPr>
                     </a:p>
                   </a:txBody>
                   <a:tcPr/>
@@ -5230,8 +5135,9 @@
                     <a:bodyPr/>
                     <a:lstStyle/>
                     <a:p>
+                      <a:pPr marL="0" algn="l" defTabSz="914400" rtl="0" eaLnBrk="1" latinLnBrk="0" hangingPunct="1"/>
                       <a:r>
-                        <a:rPr lang="en-PH" sz="1400" kern="1200" baseline="0" dirty="0" smtClean="0">
+                        <a:rPr lang="en-PH" sz="1050" kern="1200" baseline="0" dirty="0" smtClean="0">
                           <a:solidFill>
                             <a:schemeClr val="dk1"/>
                           </a:solidFill>
@@ -5242,7 +5148,7 @@
                         <a:t>1. </a:t>
                       </a:r>
                       <a:r>
-                        <a:rPr lang="en-PH" sz="1400" kern="1200" baseline="0" dirty="0" err="1" smtClean="0">
+                        <a:rPr lang="en-PH" sz="1050" kern="1200" baseline="0" dirty="0" err="1" smtClean="0">
                           <a:solidFill>
                             <a:schemeClr val="dk1"/>
                           </a:solidFill>
@@ -5253,7 +5159,7 @@
                         <a:t>symboling</a:t>
                       </a:r>
                       <a:r>
-                        <a:rPr lang="en-PH" sz="1400" kern="1200" baseline="0" dirty="0" smtClean="0">
+                        <a:rPr lang="en-PH" sz="1050" kern="1200" baseline="0" dirty="0" smtClean="0">
                           <a:solidFill>
                             <a:schemeClr val="dk1"/>
                           </a:solidFill>
@@ -5272,8 +5178,9 @@
                     <a:bodyPr/>
                     <a:lstStyle/>
                     <a:p>
+                      <a:pPr marL="0" algn="l" defTabSz="914400" rtl="0" eaLnBrk="1" latinLnBrk="0" hangingPunct="1"/>
                       <a:r>
-                        <a:rPr lang="en-PH" sz="1400" kern="1200" baseline="0" dirty="0" smtClean="0">
+                        <a:rPr lang="en-PH" sz="1050" kern="1200" baseline="0" dirty="0" smtClean="0">
                           <a:solidFill>
                             <a:schemeClr val="dk1"/>
                           </a:solidFill>
@@ -5283,7 +5190,14 @@
                         </a:rPr>
                         <a:t>3, -2, -1, 0, 1, 2, 3. </a:t>
                       </a:r>
-                      <a:endParaRPr lang="en-PH" sz="1400" dirty="0"/>
+                      <a:endParaRPr lang="en-PH" sz="1050" kern="1200" baseline="0" dirty="0">
+                        <a:solidFill>
+                          <a:schemeClr val="dk1"/>
+                        </a:solidFill>
+                        <a:latin typeface="+mn-lt"/>
+                        <a:ea typeface="+mn-ea"/>
+                        <a:cs typeface="+mn-cs"/>
+                      </a:endParaRPr>
                     </a:p>
                   </a:txBody>
                   <a:tcPr/>
@@ -5293,7 +5207,18 @@
                     <a:bodyPr/>
                     <a:lstStyle/>
                     <a:p>
-                      <a:endParaRPr lang="en-PH" sz="1400"/>
+                      <a:pPr marL="0" algn="l" defTabSz="914400" rtl="0" eaLnBrk="1" latinLnBrk="0" hangingPunct="1"/>
+                      <a:r>
+                        <a:rPr lang="en-PH" sz="1050" kern="1200" baseline="0" dirty="0" smtClean="0">
+                          <a:solidFill>
+                            <a:schemeClr val="dk1"/>
+                          </a:solidFill>
+                          <a:latin typeface="+mn-lt"/>
+                          <a:ea typeface="+mn-ea"/>
+                          <a:cs typeface="+mn-cs"/>
+                        </a:rPr>
+                        <a:t>14. curb-weight </a:t>
+                      </a:r>
                     </a:p>
                   </a:txBody>
                   <a:tcPr/>
@@ -5303,20 +5228,39 @@
                     <a:bodyPr/>
                     <a:lstStyle/>
                     <a:p>
-                      <a:endParaRPr lang="en-PH" sz="1400"/>
+                      <a:r>
+                        <a:rPr lang="en-PH" sz="1050" kern="1200" baseline="0" dirty="0" smtClean="0">
+                          <a:solidFill>
+                            <a:schemeClr val="dk1"/>
+                          </a:solidFill>
+                          <a:latin typeface="+mn-lt"/>
+                          <a:ea typeface="+mn-ea"/>
+                          <a:cs typeface="+mn-cs"/>
+                        </a:rPr>
+                        <a:t>continuous from 1488 to 4066. </a:t>
+                      </a:r>
+                      <a:endParaRPr lang="en-PH" sz="1050" kern="1200" baseline="0" dirty="0">
+                        <a:solidFill>
+                          <a:schemeClr val="dk1"/>
+                        </a:solidFill>
+                        <a:latin typeface="+mn-lt"/>
+                        <a:ea typeface="+mn-ea"/>
+                        <a:cs typeface="+mn-cs"/>
+                      </a:endParaRPr>
                     </a:p>
                   </a:txBody>
                   <a:tcPr/>
                 </a:tc>
               </a:tr>
-              <a:tr h="465287">
+              <a:tr h="312887">
                 <a:tc>
                   <a:txBody>
                     <a:bodyPr/>
                     <a:lstStyle/>
                     <a:p>
+                      <a:pPr marL="0" algn="l" defTabSz="914400" rtl="0" eaLnBrk="1" latinLnBrk="0" hangingPunct="1"/>
                       <a:r>
-                        <a:rPr lang="en-PH" sz="1400" kern="1200" baseline="0" dirty="0" smtClean="0">
+                        <a:rPr lang="en-PH" sz="1050" kern="1200" baseline="0" dirty="0" smtClean="0">
                           <a:solidFill>
                             <a:schemeClr val="dk1"/>
                           </a:solidFill>
@@ -5335,8 +5279,9 @@
                     <a:bodyPr/>
                     <a:lstStyle/>
                     <a:p>
+                      <a:pPr marL="0" algn="l" defTabSz="914400" rtl="0" eaLnBrk="1" latinLnBrk="0" hangingPunct="1"/>
                       <a:r>
-                        <a:rPr lang="en-PH" sz="1400" kern="1200" baseline="0" dirty="0" smtClean="0">
+                        <a:rPr lang="en-PH" sz="1050" kern="1200" baseline="0" dirty="0" smtClean="0">
                           <a:solidFill>
                             <a:schemeClr val="dk1"/>
                           </a:solidFill>
@@ -5346,7 +5291,14 @@
                         </a:rPr>
                         <a:t>continuous from 65 to 256. </a:t>
                       </a:r>
-                      <a:endParaRPr lang="en-PH" sz="1400" dirty="0"/>
+                      <a:endParaRPr lang="en-PH" sz="1050" kern="1200" baseline="0" dirty="0">
+                        <a:solidFill>
+                          <a:schemeClr val="dk1"/>
+                        </a:solidFill>
+                        <a:latin typeface="+mn-lt"/>
+                        <a:ea typeface="+mn-ea"/>
+                        <a:cs typeface="+mn-cs"/>
+                      </a:endParaRPr>
                     </a:p>
                   </a:txBody>
                   <a:tcPr/>
@@ -5356,7 +5308,18 @@
                     <a:bodyPr/>
                     <a:lstStyle/>
                     <a:p>
-                      <a:endParaRPr lang="en-PH" sz="1400"/>
+                      <a:pPr marL="0" algn="l" defTabSz="914400" rtl="0" eaLnBrk="1" latinLnBrk="0" hangingPunct="1"/>
+                      <a:r>
+                        <a:rPr lang="en-PH" sz="1050" kern="1200" baseline="0" dirty="0" smtClean="0">
+                          <a:solidFill>
+                            <a:schemeClr val="dk1"/>
+                          </a:solidFill>
+                          <a:latin typeface="+mn-lt"/>
+                          <a:ea typeface="+mn-ea"/>
+                          <a:cs typeface="+mn-cs"/>
+                        </a:rPr>
+                        <a:t>15. engine-type </a:t>
+                      </a:r>
                     </a:p>
                   </a:txBody>
                   <a:tcPr/>
@@ -5366,7 +5329,124 @@
                     <a:bodyPr/>
                     <a:lstStyle/>
                     <a:p>
-                      <a:endParaRPr lang="en-PH" sz="1400" dirty="0"/>
+                      <a:r>
+                        <a:rPr lang="en-PH" sz="1050" kern="1200" baseline="0" dirty="0" err="1" smtClean="0">
+                          <a:solidFill>
+                            <a:schemeClr val="dk1"/>
+                          </a:solidFill>
+                          <a:latin typeface="+mn-lt"/>
+                          <a:ea typeface="+mn-ea"/>
+                          <a:cs typeface="+mn-cs"/>
+                        </a:rPr>
+                        <a:t>dohc</a:t>
+                      </a:r>
+                      <a:r>
+                        <a:rPr lang="en-PH" sz="1050" kern="1200" baseline="0" dirty="0" smtClean="0">
+                          <a:solidFill>
+                            <a:schemeClr val="dk1"/>
+                          </a:solidFill>
+                          <a:latin typeface="+mn-lt"/>
+                          <a:ea typeface="+mn-ea"/>
+                          <a:cs typeface="+mn-cs"/>
+                        </a:rPr>
+                        <a:t>, </a:t>
+                      </a:r>
+                      <a:r>
+                        <a:rPr lang="en-PH" sz="1050" kern="1200" baseline="0" dirty="0" err="1" smtClean="0">
+                          <a:solidFill>
+                            <a:schemeClr val="dk1"/>
+                          </a:solidFill>
+                          <a:latin typeface="+mn-lt"/>
+                          <a:ea typeface="+mn-ea"/>
+                          <a:cs typeface="+mn-cs"/>
+                        </a:rPr>
+                        <a:t>dohcv</a:t>
+                      </a:r>
+                      <a:r>
+                        <a:rPr lang="en-PH" sz="1050" kern="1200" baseline="0" dirty="0" smtClean="0">
+                          <a:solidFill>
+                            <a:schemeClr val="dk1"/>
+                          </a:solidFill>
+                          <a:latin typeface="+mn-lt"/>
+                          <a:ea typeface="+mn-ea"/>
+                          <a:cs typeface="+mn-cs"/>
+                        </a:rPr>
+                        <a:t>, l, </a:t>
+                      </a:r>
+                      <a:r>
+                        <a:rPr lang="en-PH" sz="1050" kern="1200" baseline="0" dirty="0" err="1" smtClean="0">
+                          <a:solidFill>
+                            <a:schemeClr val="dk1"/>
+                          </a:solidFill>
+                          <a:latin typeface="+mn-lt"/>
+                          <a:ea typeface="+mn-ea"/>
+                          <a:cs typeface="+mn-cs"/>
+                        </a:rPr>
+                        <a:t>ohc</a:t>
+                      </a:r>
+                      <a:r>
+                        <a:rPr lang="en-PH" sz="1050" kern="1200" baseline="0" dirty="0" smtClean="0">
+                          <a:solidFill>
+                            <a:schemeClr val="dk1"/>
+                          </a:solidFill>
+                          <a:latin typeface="+mn-lt"/>
+                          <a:ea typeface="+mn-ea"/>
+                          <a:cs typeface="+mn-cs"/>
+                        </a:rPr>
+                        <a:t>, </a:t>
+                      </a:r>
+                      <a:r>
+                        <a:rPr lang="en-PH" sz="1050" kern="1200" baseline="0" dirty="0" err="1" smtClean="0">
+                          <a:solidFill>
+                            <a:schemeClr val="dk1"/>
+                          </a:solidFill>
+                          <a:latin typeface="+mn-lt"/>
+                          <a:ea typeface="+mn-ea"/>
+                          <a:cs typeface="+mn-cs"/>
+                        </a:rPr>
+                        <a:t>ohcf</a:t>
+                      </a:r>
+                      <a:r>
+                        <a:rPr lang="en-PH" sz="1050" kern="1200" baseline="0" dirty="0" smtClean="0">
+                          <a:solidFill>
+                            <a:schemeClr val="dk1"/>
+                          </a:solidFill>
+                          <a:latin typeface="+mn-lt"/>
+                          <a:ea typeface="+mn-ea"/>
+                          <a:cs typeface="+mn-cs"/>
+                        </a:rPr>
+                        <a:t>, </a:t>
+                      </a:r>
+                      <a:r>
+                        <a:rPr lang="en-PH" sz="1050" kern="1200" baseline="0" dirty="0" err="1" smtClean="0">
+                          <a:solidFill>
+                            <a:schemeClr val="dk1"/>
+                          </a:solidFill>
+                          <a:latin typeface="+mn-lt"/>
+                          <a:ea typeface="+mn-ea"/>
+                          <a:cs typeface="+mn-cs"/>
+                        </a:rPr>
+                        <a:t>ohcv</a:t>
+                      </a:r>
+                      <a:r>
+                        <a:rPr lang="en-PH" sz="1050" kern="1200" baseline="0" dirty="0" smtClean="0">
+                          <a:solidFill>
+                            <a:schemeClr val="dk1"/>
+                          </a:solidFill>
+                          <a:latin typeface="+mn-lt"/>
+                          <a:ea typeface="+mn-ea"/>
+                          <a:cs typeface="+mn-cs"/>
+                        </a:rPr>
+                        <a:t>, rotor </a:t>
+                      </a:r>
+                      <a:endParaRPr lang="en-PH" sz="1050" kern="1200" baseline="0" dirty="0">
+                        <a:solidFill>
+                          <a:schemeClr val="dk1"/>
+                        </a:solidFill>
+                        <a:latin typeface="+mn-lt"/>
+                        <a:ea typeface="+mn-ea"/>
+                        <a:cs typeface="+mn-cs"/>
+                      </a:endParaRPr>
                     </a:p>
                   </a:txBody>
                   <a:tcPr/>
@@ -5378,7 +5458,18 @@
                     <a:bodyPr/>
                     <a:lstStyle/>
                     <a:p>
-                      <a:endParaRPr lang="en-PH" sz="1400" dirty="0"/>
+                      <a:pPr marL="0" algn="l" defTabSz="914400" rtl="0" eaLnBrk="1" latinLnBrk="0" hangingPunct="1"/>
+                      <a:r>
+                        <a:rPr lang="en-PH" sz="1050" kern="1200" baseline="0" dirty="0" smtClean="0">
+                          <a:solidFill>
+                            <a:schemeClr val="dk1"/>
+                          </a:solidFill>
+                          <a:latin typeface="+mn-lt"/>
+                          <a:ea typeface="+mn-ea"/>
+                          <a:cs typeface="+mn-cs"/>
+                        </a:rPr>
+                        <a:t>3. make </a:t>
+                      </a:r>
                     </a:p>
                   </a:txBody>
                   <a:tcPr/>
@@ -5388,7 +5479,103 @@
                     <a:bodyPr/>
                     <a:lstStyle/>
                     <a:p>
-                      <a:endParaRPr lang="en-PH" sz="1400" dirty="0"/>
+                      <a:pPr marL="0" algn="l" defTabSz="914400" rtl="0" eaLnBrk="1" latinLnBrk="0" hangingPunct="1"/>
+                      <a:r>
+                        <a:rPr lang="en-PH" sz="1050" kern="1200" baseline="0" dirty="0" err="1" smtClean="0">
+                          <a:solidFill>
+                            <a:schemeClr val="dk1"/>
+                          </a:solidFill>
+                          <a:latin typeface="+mn-lt"/>
+                          <a:ea typeface="+mn-ea"/>
+                          <a:cs typeface="+mn-cs"/>
+                        </a:rPr>
+                        <a:t>alfa-romero</a:t>
+                      </a:r>
+                      <a:r>
+                        <a:rPr lang="en-PH" sz="1050" kern="1200" baseline="0" dirty="0" smtClean="0">
+                          <a:solidFill>
+                            <a:schemeClr val="dk1"/>
+                          </a:solidFill>
+                          <a:latin typeface="+mn-lt"/>
+                          <a:ea typeface="+mn-ea"/>
+                          <a:cs typeface="+mn-cs"/>
+                        </a:rPr>
+                        <a:t>, </a:t>
+                      </a:r>
+                      <a:r>
+                        <a:rPr lang="en-PH" sz="1050" kern="1200" baseline="0" dirty="0" err="1" smtClean="0">
+                          <a:solidFill>
+                            <a:schemeClr val="dk1"/>
+                          </a:solidFill>
+                          <a:latin typeface="+mn-lt"/>
+                          <a:ea typeface="+mn-ea"/>
+                          <a:cs typeface="+mn-cs"/>
+                        </a:rPr>
+                        <a:t>bmw</a:t>
+                      </a:r>
+                      <a:r>
+                        <a:rPr lang="en-PH" sz="1050" kern="1200" baseline="0" dirty="0" smtClean="0">
+                          <a:solidFill>
+                            <a:schemeClr val="dk1"/>
+                          </a:solidFill>
+                          <a:latin typeface="+mn-lt"/>
+                          <a:ea typeface="+mn-ea"/>
+                          <a:cs typeface="+mn-cs"/>
+                        </a:rPr>
+                        <a:t>, </a:t>
+                      </a:r>
+                      <a:r>
+                        <a:rPr lang="en-PH" sz="1050" kern="1200" baseline="0" dirty="0" err="1" smtClean="0">
+                          <a:solidFill>
+                            <a:schemeClr val="dk1"/>
+                          </a:solidFill>
+                          <a:latin typeface="+mn-lt"/>
+                          <a:ea typeface="+mn-ea"/>
+                          <a:cs typeface="+mn-cs"/>
+                        </a:rPr>
+                        <a:t>chevrolet</a:t>
+                      </a:r>
+                      <a:r>
+                        <a:rPr lang="en-PH" sz="1050" kern="1200" baseline="0" dirty="0" smtClean="0">
+                          <a:solidFill>
+                            <a:schemeClr val="dk1"/>
+                          </a:solidFill>
+                          <a:latin typeface="+mn-lt"/>
+                          <a:ea typeface="+mn-ea"/>
+                          <a:cs typeface="+mn-cs"/>
+                        </a:rPr>
+                        <a:t>,...</a:t>
+                      </a:r>
+                      <a:r>
+                        <a:rPr lang="en-PH" sz="1050" kern="1200" baseline="0" dirty="0" err="1" smtClean="0">
+                          <a:solidFill>
+                            <a:schemeClr val="dk1"/>
+                          </a:solidFill>
+                          <a:latin typeface="+mn-lt"/>
+                          <a:ea typeface="+mn-ea"/>
+                          <a:cs typeface="+mn-cs"/>
+                        </a:rPr>
+                        <a:t>volvo</a:t>
+                      </a:r>
+                      <a:r>
+                        <a:rPr lang="en-PH" sz="1050" kern="1200" baseline="0" dirty="0" smtClean="0">
+                          <a:solidFill>
+                            <a:schemeClr val="dk1"/>
+                          </a:solidFill>
+                          <a:latin typeface="+mn-lt"/>
+                          <a:ea typeface="+mn-ea"/>
+                          <a:cs typeface="+mn-cs"/>
+                        </a:rPr>
+                        <a:t>  etc.</a:t>
+                      </a:r>
+                      <a:endParaRPr lang="en-PH" sz="1050" kern="1200" baseline="0" dirty="0">
+                        <a:solidFill>
+                          <a:schemeClr val="dk1"/>
+                        </a:solidFill>
+                        <a:latin typeface="+mn-lt"/>
+                        <a:ea typeface="+mn-ea"/>
+                        <a:cs typeface="+mn-cs"/>
+                      </a:endParaRPr>
                     </a:p>
                   </a:txBody>
                   <a:tcPr/>
@@ -5398,7 +5585,18 @@
                     <a:bodyPr/>
                     <a:lstStyle/>
                     <a:p>
-                      <a:endParaRPr lang="en-PH" sz="1400" dirty="0"/>
+                      <a:pPr marL="0" algn="l" defTabSz="914400" rtl="0" eaLnBrk="1" latinLnBrk="0" hangingPunct="1"/>
+                      <a:r>
+                        <a:rPr lang="en-PH" sz="1050" kern="1200" baseline="0" dirty="0" smtClean="0">
+                          <a:solidFill>
+                            <a:schemeClr val="dk1"/>
+                          </a:solidFill>
+                          <a:latin typeface="+mn-lt"/>
+                          <a:ea typeface="+mn-ea"/>
+                          <a:cs typeface="+mn-cs"/>
+                        </a:rPr>
+                        <a:t>16. num-of-cylinders </a:t>
+                      </a:r>
                     </a:p>
                   </a:txBody>
                   <a:tcPr/>
@@ -5408,7 +5606,343 @@
                     <a:bodyPr/>
                     <a:lstStyle/>
                     <a:p>
-                      <a:endParaRPr lang="en-PH" sz="1400"/>
+                      <a:r>
+                        <a:rPr lang="en-PH" sz="1050" kern="1200" baseline="0" dirty="0" smtClean="0">
+                          <a:solidFill>
+                            <a:schemeClr val="dk1"/>
+                          </a:solidFill>
+                          <a:latin typeface="+mn-lt"/>
+                          <a:ea typeface="+mn-ea"/>
+                          <a:cs typeface="+mn-cs"/>
+                        </a:rPr>
+                        <a:t>eight, five, four, six, </a:t>
+                      </a:r>
+                      <a:r>
+                        <a:rPr lang="en-PH" sz="1050" kern="1200" baseline="0" dirty="0" err="1" smtClean="0">
+                          <a:solidFill>
+                            <a:schemeClr val="dk1"/>
+                          </a:solidFill>
+                          <a:latin typeface="+mn-lt"/>
+                          <a:ea typeface="+mn-ea"/>
+                          <a:cs typeface="+mn-cs"/>
+                        </a:rPr>
+                        <a:t>three,twelve</a:t>
+                      </a:r>
+                      <a:r>
+                        <a:rPr lang="en-PH" sz="1050" kern="1200" baseline="0" dirty="0" smtClean="0">
+                          <a:solidFill>
+                            <a:schemeClr val="dk1"/>
+                          </a:solidFill>
+                          <a:latin typeface="+mn-lt"/>
+                          <a:ea typeface="+mn-ea"/>
+                          <a:cs typeface="+mn-cs"/>
+                        </a:rPr>
+                        <a:t>, two. </a:t>
+                      </a:r>
+                      <a:endParaRPr lang="en-PH" sz="1050" kern="1200" baseline="0" dirty="0">
+                        <a:solidFill>
+                          <a:schemeClr val="dk1"/>
+                        </a:solidFill>
+                        <a:latin typeface="+mn-lt"/>
+                        <a:ea typeface="+mn-ea"/>
+                        <a:cs typeface="+mn-cs"/>
+                      </a:endParaRPr>
+                    </a:p>
+                  </a:txBody>
+                  <a:tcPr/>
+                </a:tc>
+              </a:tr>
+              <a:tr h="327193">
+                <a:tc>
+                  <a:txBody>
+                    <a:bodyPr/>
+                    <a:lstStyle/>
+                    <a:p>
+                      <a:pPr marL="0" algn="l" defTabSz="914400" rtl="0" eaLnBrk="1" latinLnBrk="0" hangingPunct="1"/>
+                      <a:r>
+                        <a:rPr lang="en-PH" sz="1050" kern="1200" baseline="0" dirty="0" smtClean="0">
+                          <a:solidFill>
+                            <a:schemeClr val="dk1"/>
+                          </a:solidFill>
+                          <a:latin typeface="+mn-lt"/>
+                          <a:ea typeface="+mn-ea"/>
+                          <a:cs typeface="+mn-cs"/>
+                        </a:rPr>
+                        <a:t>4.fuel-type </a:t>
+                      </a:r>
+                    </a:p>
+                  </a:txBody>
+                  <a:tcPr/>
+                </a:tc>
+                <a:tc>
+                  <a:txBody>
+                    <a:bodyPr/>
+                    <a:lstStyle/>
+                    <a:p>
+                      <a:pPr marL="0" algn="l" defTabSz="914400" rtl="0" eaLnBrk="1" latinLnBrk="0" hangingPunct="1"/>
+                      <a:r>
+                        <a:rPr lang="en-PH" sz="1050" kern="1200" baseline="0" dirty="0" smtClean="0">
+                          <a:solidFill>
+                            <a:schemeClr val="dk1"/>
+                          </a:solidFill>
+                          <a:latin typeface="+mn-lt"/>
+                          <a:ea typeface="+mn-ea"/>
+                          <a:cs typeface="+mn-cs"/>
+                        </a:rPr>
+                        <a:t>diesel, gas. </a:t>
+                      </a:r>
+                    </a:p>
+                  </a:txBody>
+                  <a:tcPr/>
+                </a:tc>
+                <a:tc>
+                  <a:txBody>
+                    <a:bodyPr/>
+                    <a:lstStyle/>
+                    <a:p>
+                      <a:pPr marL="0" algn="l" defTabSz="914400" rtl="0" eaLnBrk="1" latinLnBrk="0" hangingPunct="1"/>
+                      <a:r>
+                        <a:rPr lang="en-PH" sz="1050" kern="1200" baseline="0" dirty="0" smtClean="0">
+                          <a:solidFill>
+                            <a:schemeClr val="dk1"/>
+                          </a:solidFill>
+                          <a:latin typeface="+mn-lt"/>
+                          <a:ea typeface="+mn-ea"/>
+                          <a:cs typeface="+mn-cs"/>
+                        </a:rPr>
+                        <a:t>17. engine-size </a:t>
+                      </a:r>
+                    </a:p>
+                  </a:txBody>
+                  <a:tcPr/>
+                </a:tc>
+                <a:tc>
+                  <a:txBody>
+                    <a:bodyPr/>
+                    <a:lstStyle/>
+                    <a:p>
+                      <a:r>
+                        <a:rPr lang="en-PH" sz="1050" kern="1200" baseline="0" dirty="0" smtClean="0">
+                          <a:solidFill>
+                            <a:schemeClr val="dk1"/>
+                          </a:solidFill>
+                          <a:latin typeface="+mn-lt"/>
+                          <a:ea typeface="+mn-ea"/>
+                          <a:cs typeface="+mn-cs"/>
+                        </a:rPr>
+                        <a:t>continuous from 61 to 326. </a:t>
+                      </a:r>
+                      <a:endParaRPr lang="en-PH" sz="1050" kern="1200" baseline="0" dirty="0">
+                        <a:solidFill>
+                          <a:schemeClr val="dk1"/>
+                        </a:solidFill>
+                        <a:latin typeface="+mn-lt"/>
+                        <a:ea typeface="+mn-ea"/>
+                        <a:cs typeface="+mn-cs"/>
+                      </a:endParaRPr>
+                    </a:p>
+                  </a:txBody>
+                  <a:tcPr/>
+                </a:tc>
+              </a:tr>
+              <a:tr h="0">
+                <a:tc>
+                  <a:txBody>
+                    <a:bodyPr/>
+                    <a:lstStyle/>
+                    <a:p>
+                      <a:pPr marL="0" algn="l" defTabSz="914400" rtl="0" eaLnBrk="1" latinLnBrk="0" hangingPunct="1"/>
+                      <a:r>
+                        <a:rPr lang="en-PH" sz="1050" kern="1200" baseline="0" dirty="0" smtClean="0">
+                          <a:solidFill>
+                            <a:schemeClr val="dk1"/>
+                          </a:solidFill>
+                          <a:latin typeface="+mn-lt"/>
+                          <a:ea typeface="+mn-ea"/>
+                          <a:cs typeface="+mn-cs"/>
+                        </a:rPr>
+                        <a:t>5. aspiration </a:t>
+                      </a:r>
+                    </a:p>
+                  </a:txBody>
+                  <a:tcPr/>
+                </a:tc>
+                <a:tc>
+                  <a:txBody>
+                    <a:bodyPr/>
+                    <a:lstStyle/>
+                    <a:p>
+                      <a:pPr marL="0" algn="l" defTabSz="914400" rtl="0" eaLnBrk="1" latinLnBrk="0" hangingPunct="1"/>
+                      <a:r>
+                        <a:rPr lang="en-PH" sz="1050" kern="1200" baseline="0" dirty="0" smtClean="0">
+                          <a:solidFill>
+                            <a:schemeClr val="dk1"/>
+                          </a:solidFill>
+                          <a:latin typeface="+mn-lt"/>
+                          <a:ea typeface="+mn-ea"/>
+                          <a:cs typeface="+mn-cs"/>
+                        </a:rPr>
+                        <a:t>std, turbo. </a:t>
+                      </a:r>
+                      <a:endParaRPr lang="en-PH" sz="1050" kern="1200" baseline="0" dirty="0">
+                        <a:solidFill>
+                          <a:schemeClr val="dk1"/>
+                        </a:solidFill>
+                        <a:latin typeface="+mn-lt"/>
+                        <a:ea typeface="+mn-ea"/>
+                        <a:cs typeface="+mn-cs"/>
+                      </a:endParaRPr>
+                    </a:p>
+                  </a:txBody>
+                  <a:tcPr/>
+                </a:tc>
+                <a:tc>
+                  <a:txBody>
+                    <a:bodyPr/>
+                    <a:lstStyle/>
+                    <a:p>
+                      <a:pPr marL="0" algn="l" defTabSz="914400" rtl="0" eaLnBrk="1" latinLnBrk="0" hangingPunct="1"/>
+                      <a:r>
+                        <a:rPr lang="en-PH" sz="1050" kern="1200" baseline="0" dirty="0" smtClean="0">
+                          <a:solidFill>
+                            <a:schemeClr val="dk1"/>
+                          </a:solidFill>
+                          <a:latin typeface="+mn-lt"/>
+                          <a:ea typeface="+mn-ea"/>
+                          <a:cs typeface="+mn-cs"/>
+                        </a:rPr>
+                        <a:t>18. fuel-system </a:t>
+                      </a:r>
+                    </a:p>
+                  </a:txBody>
+                  <a:tcPr/>
+                </a:tc>
+                <a:tc>
+                  <a:txBody>
+                    <a:bodyPr/>
+                    <a:lstStyle/>
+                    <a:p>
+                      <a:r>
+                        <a:rPr lang="en-PH" sz="1050" kern="1200" baseline="0" dirty="0" smtClean="0">
+                          <a:solidFill>
+                            <a:schemeClr val="dk1"/>
+                          </a:solidFill>
+                          <a:latin typeface="+mn-lt"/>
+                          <a:ea typeface="+mn-ea"/>
+                          <a:cs typeface="+mn-cs"/>
+                        </a:rPr>
+                        <a:t>1bbl, 2bbl, 4bbl, </a:t>
+                      </a:r>
+                      <a:r>
+                        <a:rPr lang="en-PH" sz="1050" kern="1200" baseline="0" dirty="0" err="1" smtClean="0">
+                          <a:solidFill>
+                            <a:schemeClr val="dk1"/>
+                          </a:solidFill>
+                          <a:latin typeface="+mn-lt"/>
+                          <a:ea typeface="+mn-ea"/>
+                          <a:cs typeface="+mn-cs"/>
+                        </a:rPr>
+                        <a:t>idi</a:t>
+                      </a:r>
+                      <a:r>
+                        <a:rPr lang="en-PH" sz="1050" kern="1200" baseline="0" dirty="0" smtClean="0">
+                          <a:solidFill>
+                            <a:schemeClr val="dk1"/>
+                          </a:solidFill>
+                          <a:latin typeface="+mn-lt"/>
+                          <a:ea typeface="+mn-ea"/>
+                          <a:cs typeface="+mn-cs"/>
+                        </a:rPr>
+                        <a:t>, </a:t>
+                      </a:r>
+                      <a:r>
+                        <a:rPr lang="en-PH" sz="1050" kern="1200" baseline="0" dirty="0" err="1" smtClean="0">
+                          <a:solidFill>
+                            <a:schemeClr val="dk1"/>
+                          </a:solidFill>
+                          <a:latin typeface="+mn-lt"/>
+                          <a:ea typeface="+mn-ea"/>
+                          <a:cs typeface="+mn-cs"/>
+                        </a:rPr>
+                        <a:t>mfi</a:t>
+                      </a:r>
+                      <a:r>
+                        <a:rPr lang="en-PH" sz="1050" kern="1200" baseline="0" dirty="0" smtClean="0">
+                          <a:solidFill>
+                            <a:schemeClr val="dk1"/>
+                          </a:solidFill>
+                          <a:latin typeface="+mn-lt"/>
+                          <a:ea typeface="+mn-ea"/>
+                          <a:cs typeface="+mn-cs"/>
+                        </a:rPr>
+                        <a:t>, </a:t>
+                      </a:r>
+                      <a:r>
+                        <a:rPr lang="en-PH" sz="1050" kern="1200" baseline="0" dirty="0" err="1" smtClean="0">
+                          <a:solidFill>
+                            <a:schemeClr val="dk1"/>
+                          </a:solidFill>
+                          <a:latin typeface="+mn-lt"/>
+                          <a:ea typeface="+mn-ea"/>
+                          <a:cs typeface="+mn-cs"/>
+                        </a:rPr>
+                        <a:t>mpfi</a:t>
+                      </a:r>
+                      <a:r>
+                        <a:rPr lang="en-PH" sz="1050" kern="1200" baseline="0" dirty="0" smtClean="0">
+                          <a:solidFill>
+                            <a:schemeClr val="dk1"/>
+                          </a:solidFill>
+                          <a:latin typeface="+mn-lt"/>
+                          <a:ea typeface="+mn-ea"/>
+                          <a:cs typeface="+mn-cs"/>
+                        </a:rPr>
+                        <a:t>, </a:t>
+                      </a:r>
+                      <a:r>
+                        <a:rPr lang="en-PH" sz="1050" kern="1200" baseline="0" dirty="0" err="1" smtClean="0">
+                          <a:solidFill>
+                            <a:schemeClr val="dk1"/>
+                          </a:solidFill>
+                          <a:latin typeface="+mn-lt"/>
+                          <a:ea typeface="+mn-ea"/>
+                          <a:cs typeface="+mn-cs"/>
+                        </a:rPr>
+                        <a:t>spdi</a:t>
+                      </a:r>
+                      <a:r>
+                        <a:rPr lang="en-PH" sz="1050" kern="1200" baseline="0" dirty="0" smtClean="0">
+                          <a:solidFill>
+                            <a:schemeClr val="dk1"/>
+                          </a:solidFill>
+                          <a:latin typeface="+mn-lt"/>
+                          <a:ea typeface="+mn-ea"/>
+                          <a:cs typeface="+mn-cs"/>
+                        </a:rPr>
+                        <a:t>, </a:t>
+                      </a:r>
+                      <a:r>
+                        <a:rPr lang="en-PH" sz="1050" kern="1200" baseline="0" dirty="0" err="1" smtClean="0">
+                          <a:solidFill>
+                            <a:schemeClr val="dk1"/>
+                          </a:solidFill>
+                          <a:latin typeface="+mn-lt"/>
+                          <a:ea typeface="+mn-ea"/>
+                          <a:cs typeface="+mn-cs"/>
+                        </a:rPr>
+                        <a:t>spfi</a:t>
+                      </a:r>
+                      <a:r>
+                        <a:rPr lang="en-PH" sz="1050" kern="1200" baseline="0" dirty="0" smtClean="0">
+                          <a:solidFill>
+                            <a:schemeClr val="dk1"/>
+                          </a:solidFill>
+                          <a:latin typeface="+mn-lt"/>
+                          <a:ea typeface="+mn-ea"/>
+                          <a:cs typeface="+mn-cs"/>
+                        </a:rPr>
+                        <a:t>. </a:t>
+                      </a:r>
                     </a:p>
                   </a:txBody>
                   <a:tcPr/>
@@ -5420,7 +5954,18 @@
                     <a:bodyPr/>
                     <a:lstStyle/>
                     <a:p>
-                      <a:endParaRPr lang="en-PH" sz="1400" dirty="0"/>
+                      <a:pPr marL="0" algn="l" defTabSz="914400" rtl="0" eaLnBrk="1" latinLnBrk="0" hangingPunct="1"/>
+                      <a:r>
+                        <a:rPr lang="en-PH" sz="1050" kern="1200" baseline="0" dirty="0" smtClean="0">
+                          <a:solidFill>
+                            <a:schemeClr val="dk1"/>
+                          </a:solidFill>
+                          <a:latin typeface="+mn-lt"/>
+                          <a:ea typeface="+mn-ea"/>
+                          <a:cs typeface="+mn-cs"/>
+                        </a:rPr>
+                        <a:t>6. num-of-doors </a:t>
+                      </a:r>
                     </a:p>
                   </a:txBody>
                   <a:tcPr/>
@@ -5430,7 +5975,26 @@
                     <a:bodyPr/>
                     <a:lstStyle/>
                     <a:p>
-                      <a:endParaRPr lang="en-PH" sz="1400" dirty="0"/>
+                      <a:pPr marL="0" algn="l" defTabSz="914400" rtl="0" eaLnBrk="1" latinLnBrk="0" hangingPunct="1"/>
+                      <a:r>
+                        <a:rPr lang="en-PH" sz="1050" kern="1200" baseline="0" dirty="0" smtClean="0">
+                          <a:solidFill>
+                            <a:schemeClr val="dk1"/>
+                          </a:solidFill>
+                          <a:latin typeface="+mn-lt"/>
+                          <a:ea typeface="+mn-ea"/>
+                          <a:cs typeface="+mn-cs"/>
+                        </a:rPr>
+                        <a:t>four, two. </a:t>
+                      </a:r>
+                      <a:endParaRPr lang="en-PH" sz="1050" kern="1200" baseline="0" dirty="0">
+                        <a:solidFill>
+                          <a:schemeClr val="dk1"/>
+                        </a:solidFill>
+                        <a:latin typeface="+mn-lt"/>
+                        <a:ea typeface="+mn-ea"/>
+                        <a:cs typeface="+mn-cs"/>
+                      </a:endParaRPr>
                     </a:p>
                   </a:txBody>
                   <a:tcPr/>
@@ -5440,7 +6004,17 @@
                     <a:bodyPr/>
                     <a:lstStyle/>
                     <a:p>
-                      <a:endParaRPr lang="en-PH" sz="1400"/>
+                      <a:r>
+                        <a:rPr lang="en-PH" sz="1050" kern="1200" baseline="0" dirty="0" smtClean="0">
+                          <a:solidFill>
+                            <a:schemeClr val="dk1"/>
+                          </a:solidFill>
+                          <a:latin typeface="+mn-lt"/>
+                          <a:ea typeface="+mn-ea"/>
+                          <a:cs typeface="+mn-cs"/>
+                        </a:rPr>
+                        <a:t>19. bore </a:t>
+                      </a:r>
                     </a:p>
                   </a:txBody>
                   <a:tcPr/>
@@ -5450,7 +6024,17 @@
                     <a:bodyPr/>
                     <a:lstStyle/>
                     <a:p>
-                      <a:endParaRPr lang="en-PH" sz="1400"/>
+                      <a:r>
+                        <a:rPr lang="en-PH" sz="1050" kern="1200" baseline="0" dirty="0" smtClean="0">
+                          <a:solidFill>
+                            <a:schemeClr val="dk1"/>
+                          </a:solidFill>
+                          <a:latin typeface="+mn-lt"/>
+                          <a:ea typeface="+mn-ea"/>
+                          <a:cs typeface="+mn-cs"/>
+                        </a:rPr>
+                        <a:t>continuous from 2.54 to 3.94. </a:t>
+                      </a:r>
                     </a:p>
                   </a:txBody>
                   <a:tcPr/>
@@ -5462,7 +6046,18 @@
                     <a:bodyPr/>
                     <a:lstStyle/>
                     <a:p>
-                      <a:endParaRPr lang="en-PH" sz="1400" dirty="0"/>
+                      <a:pPr marL="0" algn="l" defTabSz="914400" rtl="0" eaLnBrk="1" latinLnBrk="0" hangingPunct="1"/>
+                      <a:r>
+                        <a:rPr lang="en-PH" sz="1050" kern="1200" baseline="0" dirty="0" smtClean="0">
+                          <a:solidFill>
+                            <a:schemeClr val="dk1"/>
+                          </a:solidFill>
+                          <a:latin typeface="+mn-lt"/>
+                          <a:ea typeface="+mn-ea"/>
+                          <a:cs typeface="+mn-cs"/>
+                        </a:rPr>
+                        <a:t>7. body-style </a:t>
+                      </a:r>
                     </a:p>
                   </a:txBody>
                   <a:tcPr/>
@@ -5472,7 +6067,26 @@
                     <a:bodyPr/>
                     <a:lstStyle/>
                     <a:p>
-                      <a:endParaRPr lang="en-PH" sz="1400" dirty="0"/>
+                      <a:pPr marL="0" algn="l" defTabSz="914400" rtl="0" eaLnBrk="1" latinLnBrk="0" hangingPunct="1"/>
+                      <a:r>
+                        <a:rPr lang="en-PH" sz="1050" kern="1200" baseline="0" dirty="0" smtClean="0">
+                          <a:solidFill>
+                            <a:schemeClr val="dk1"/>
+                          </a:solidFill>
+                          <a:latin typeface="+mn-lt"/>
+                          <a:ea typeface="+mn-ea"/>
+                          <a:cs typeface="+mn-cs"/>
+                        </a:rPr>
+                        <a:t>hardtop, wagon, sedan, hatchback, convertible. </a:t>
+                      </a:r>
+                      <a:endParaRPr lang="en-PH" sz="1050" kern="1200" baseline="0" dirty="0">
+                        <a:solidFill>
+                          <a:schemeClr val="dk1"/>
+                        </a:solidFill>
+                        <a:latin typeface="+mn-lt"/>
+                        <a:ea typeface="+mn-ea"/>
+                        <a:cs typeface="+mn-cs"/>
+                      </a:endParaRPr>
                     </a:p>
                   </a:txBody>
                   <a:tcPr/>
@@ -5482,7 +6096,17 @@
                     <a:bodyPr/>
                     <a:lstStyle/>
                     <a:p>
-                      <a:endParaRPr lang="en-PH" sz="1400"/>
+                      <a:r>
+                        <a:rPr lang="en-PH" sz="1050" kern="1200" baseline="0" dirty="0" smtClean="0">
+                          <a:solidFill>
+                            <a:schemeClr val="dk1"/>
+                          </a:solidFill>
+                          <a:latin typeface="+mn-lt"/>
+                          <a:ea typeface="+mn-ea"/>
+                          <a:cs typeface="+mn-cs"/>
+                        </a:rPr>
+                        <a:t>20. stroke </a:t>
+                      </a:r>
                     </a:p>
                   </a:txBody>
                   <a:tcPr/>
@@ -5492,7 +6116,17 @@
                     <a:bodyPr/>
                     <a:lstStyle/>
                     <a:p>
-                      <a:endParaRPr lang="en-PH" sz="1400" dirty="0"/>
+                      <a:r>
+                        <a:rPr lang="en-PH" sz="1050" kern="1200" baseline="0" dirty="0" smtClean="0">
+                          <a:solidFill>
+                            <a:schemeClr val="dk1"/>
+                          </a:solidFill>
+                          <a:latin typeface="+mn-lt"/>
+                          <a:ea typeface="+mn-ea"/>
+                          <a:cs typeface="+mn-cs"/>
+                        </a:rPr>
+                        <a:t>continuous from 2.07 to 4.17. </a:t>
+                      </a:r>
                     </a:p>
                   </a:txBody>
                   <a:tcPr/>
@@ -5504,7 +6138,18 @@
                     <a:bodyPr/>
                     <a:lstStyle/>
                     <a:p>
-                      <a:endParaRPr lang="en-PH" sz="1400" dirty="0"/>
+                      <a:pPr marL="0" algn="l" defTabSz="914400" rtl="0" eaLnBrk="1" latinLnBrk="0" hangingPunct="1"/>
+                      <a:r>
+                        <a:rPr lang="en-PH" sz="1050" kern="1200" baseline="0" dirty="0" smtClean="0">
+                          <a:solidFill>
+                            <a:schemeClr val="dk1"/>
+                          </a:solidFill>
+                          <a:latin typeface="+mn-lt"/>
+                          <a:ea typeface="+mn-ea"/>
+                          <a:cs typeface="+mn-cs"/>
+                        </a:rPr>
+                        <a:t>8. drive-wheels </a:t>
+                      </a:r>
                     </a:p>
                   </a:txBody>
                   <a:tcPr/>
@@ -5514,7 +6159,48 @@
                     <a:bodyPr/>
                     <a:lstStyle/>
                     <a:p>
-                      <a:endParaRPr lang="en-PH" sz="1400" dirty="0"/>
+                      <a:pPr marL="0" algn="l" defTabSz="914400" rtl="0" eaLnBrk="1" latinLnBrk="0" hangingPunct="1"/>
+                      <a:r>
+                        <a:rPr lang="en-PH" sz="1050" kern="1200" baseline="0" dirty="0" smtClean="0">
+                          <a:solidFill>
+                            <a:schemeClr val="dk1"/>
+                          </a:solidFill>
+                          <a:latin typeface="+mn-lt"/>
+                          <a:ea typeface="+mn-ea"/>
+                          <a:cs typeface="+mn-cs"/>
+                        </a:rPr>
+                        <a:t>4wd, fwd, </a:t>
+                      </a:r>
+                      <a:r>
+                        <a:rPr lang="en-PH" sz="1050" kern="1200" baseline="0" dirty="0" err="1" smtClean="0">
+                          <a:solidFill>
+                            <a:schemeClr val="dk1"/>
+                          </a:solidFill>
+                          <a:latin typeface="+mn-lt"/>
+                          <a:ea typeface="+mn-ea"/>
+                          <a:cs typeface="+mn-cs"/>
+                        </a:rPr>
+                        <a:t>rwd</a:t>
+                      </a:r>
+                      <a:r>
+                        <a:rPr lang="en-PH" sz="1050" kern="1200" baseline="0" dirty="0" smtClean="0">
+                          <a:solidFill>
+                            <a:schemeClr val="dk1"/>
+                          </a:solidFill>
+                          <a:latin typeface="+mn-lt"/>
+                          <a:ea typeface="+mn-ea"/>
+                          <a:cs typeface="+mn-cs"/>
+                        </a:rPr>
+                        <a:t>. </a:t>
+                      </a:r>
+                      <a:endParaRPr lang="en-PH" sz="1050" kern="1200" baseline="0" dirty="0">
+                        <a:solidFill>
+                          <a:schemeClr val="dk1"/>
+                        </a:solidFill>
+                        <a:latin typeface="+mn-lt"/>
+                        <a:ea typeface="+mn-ea"/>
+                        <a:cs typeface="+mn-cs"/>
+                      </a:endParaRPr>
                     </a:p>
                   </a:txBody>
                   <a:tcPr/>
@@ -5524,7 +6210,17 @@
                     <a:bodyPr/>
                     <a:lstStyle/>
                     <a:p>
-                      <a:endParaRPr lang="en-PH" sz="1400"/>
+                      <a:r>
+                        <a:rPr lang="en-PH" sz="1050" kern="1200" baseline="0" dirty="0" smtClean="0">
+                          <a:solidFill>
+                            <a:schemeClr val="dk1"/>
+                          </a:solidFill>
+                          <a:latin typeface="+mn-lt"/>
+                          <a:ea typeface="+mn-ea"/>
+                          <a:cs typeface="+mn-cs"/>
+                        </a:rPr>
+                        <a:t>21. compression-ratio </a:t>
+                      </a:r>
                     </a:p>
                   </a:txBody>
                   <a:tcPr/>
@@ -5534,7 +6230,17 @@
                     <a:bodyPr/>
                     <a:lstStyle/>
                     <a:p>
-                      <a:endParaRPr lang="en-PH" sz="1400" dirty="0"/>
+                      <a:r>
+                        <a:rPr lang="en-PH" sz="1050" kern="1200" baseline="0" dirty="0" smtClean="0">
+                          <a:solidFill>
+                            <a:schemeClr val="dk1"/>
+                          </a:solidFill>
+                          <a:latin typeface="+mn-lt"/>
+                          <a:ea typeface="+mn-ea"/>
+                          <a:cs typeface="+mn-cs"/>
+                        </a:rPr>
+                        <a:t>continuous from 7 to 23. </a:t>
+                      </a:r>
                     </a:p>
                   </a:txBody>
                   <a:tcPr/>
@@ -5546,7 +6252,18 @@
                     <a:bodyPr/>
                     <a:lstStyle/>
                     <a:p>
-                      <a:endParaRPr lang="en-PH" sz="1400" dirty="0"/>
+                      <a:pPr marL="0" algn="l" defTabSz="914400" rtl="0" eaLnBrk="1" latinLnBrk="0" hangingPunct="1"/>
+                      <a:r>
+                        <a:rPr lang="en-PH" sz="1050" kern="1200" baseline="0" dirty="0" smtClean="0">
+                          <a:solidFill>
+                            <a:schemeClr val="dk1"/>
+                          </a:solidFill>
+                          <a:latin typeface="+mn-lt"/>
+                          <a:ea typeface="+mn-ea"/>
+                          <a:cs typeface="+mn-cs"/>
+                        </a:rPr>
+                        <a:t>9. engine-location </a:t>
+                      </a:r>
                     </a:p>
                   </a:txBody>
                   <a:tcPr/>
@@ -5556,7 +6273,26 @@
                     <a:bodyPr/>
                     <a:lstStyle/>
                     <a:p>
-                      <a:endParaRPr lang="en-PH" sz="1400" dirty="0"/>
+                      <a:pPr marL="0" algn="l" defTabSz="914400" rtl="0" eaLnBrk="1" latinLnBrk="0" hangingPunct="1"/>
+                      <a:r>
+                        <a:rPr lang="en-PH" sz="1050" kern="1200" baseline="0" dirty="0" smtClean="0">
+                          <a:solidFill>
+                            <a:schemeClr val="dk1"/>
+                          </a:solidFill>
+                          <a:latin typeface="+mn-lt"/>
+                          <a:ea typeface="+mn-ea"/>
+                          <a:cs typeface="+mn-cs"/>
+                        </a:rPr>
+                        <a:t>front, rear. </a:t>
+                      </a:r>
+                      <a:endParaRPr lang="en-PH" sz="1050" kern="1200" baseline="0" dirty="0">
+                        <a:solidFill>
+                          <a:schemeClr val="dk1"/>
+                        </a:solidFill>
+                        <a:latin typeface="+mn-lt"/>
+                        <a:ea typeface="+mn-ea"/>
+                        <a:cs typeface="+mn-cs"/>
+                      </a:endParaRPr>
                     </a:p>
                   </a:txBody>
                   <a:tcPr/>
@@ -5566,7 +6302,17 @@
                     <a:bodyPr/>
                     <a:lstStyle/>
                     <a:p>
-                      <a:endParaRPr lang="en-PH" sz="1400"/>
+                      <a:r>
+                        <a:rPr lang="en-PH" sz="1050" kern="1200" baseline="0" dirty="0" smtClean="0">
+                          <a:solidFill>
+                            <a:schemeClr val="dk1"/>
+                          </a:solidFill>
+                          <a:latin typeface="+mn-lt"/>
+                          <a:ea typeface="+mn-ea"/>
+                          <a:cs typeface="+mn-cs"/>
+                        </a:rPr>
+                        <a:t>22. horsepower </a:t>
+                      </a:r>
                     </a:p>
                   </a:txBody>
                   <a:tcPr/>
@@ -5576,7 +6322,25 @@
                     <a:bodyPr/>
                     <a:lstStyle/>
                     <a:p>
-                      <a:endParaRPr lang="en-PH" sz="1400" dirty="0"/>
+                      <a:r>
+                        <a:rPr lang="en-PH" sz="1050" kern="1200" baseline="0" dirty="0" smtClean="0">
+                          <a:solidFill>
+                            <a:schemeClr val="dk1"/>
+                          </a:solidFill>
+                          <a:latin typeface="+mn-lt"/>
+                          <a:ea typeface="+mn-ea"/>
+                          <a:cs typeface="+mn-cs"/>
+                        </a:rPr>
+                        <a:t>continuous from 48 to 288. </a:t>
+                      </a:r>
+                      <a:endParaRPr lang="en-PH" sz="1050" kern="1200" baseline="0" dirty="0">
+                        <a:solidFill>
+                          <a:schemeClr val="dk1"/>
+                        </a:solidFill>
+                        <a:latin typeface="+mn-lt"/>
+                        <a:ea typeface="+mn-ea"/>
+                        <a:cs typeface="+mn-cs"/>
+                      </a:endParaRPr>
                     </a:p>
                   </a:txBody>
                   <a:tcPr/>
@@ -5588,7 +6352,18 @@
                     <a:bodyPr/>
                     <a:lstStyle/>
                     <a:p>
-                      <a:endParaRPr lang="en-PH" sz="1400"/>
+                      <a:pPr marL="0" algn="l" defTabSz="914400" rtl="0" eaLnBrk="1" latinLnBrk="0" hangingPunct="1"/>
+                      <a:r>
+                        <a:rPr lang="en-PH" sz="1050" kern="1200" baseline="0" dirty="0" smtClean="0">
+                          <a:solidFill>
+                            <a:schemeClr val="dk1"/>
+                          </a:solidFill>
+                          <a:latin typeface="+mn-lt"/>
+                          <a:ea typeface="+mn-ea"/>
+                          <a:cs typeface="+mn-cs"/>
+                        </a:rPr>
+                        <a:t>10. wheel-base </a:t>
+                      </a:r>
                     </a:p>
                   </a:txBody>
                   <a:tcPr/>
@@ -5598,7 +6373,18 @@
                     <a:bodyPr/>
                     <a:lstStyle/>
                     <a:p>
-                      <a:endParaRPr lang="en-PH" sz="1400" dirty="0"/>
+                      <a:pPr marL="0" algn="l" defTabSz="914400" rtl="0" eaLnBrk="1" latinLnBrk="0" hangingPunct="1"/>
+                      <a:r>
+                        <a:rPr lang="en-PH" sz="1050" kern="1200" baseline="0" dirty="0" smtClean="0">
+                          <a:solidFill>
+                            <a:schemeClr val="dk1"/>
+                          </a:solidFill>
+                          <a:latin typeface="+mn-lt"/>
+                          <a:ea typeface="+mn-ea"/>
+                          <a:cs typeface="+mn-cs"/>
+                        </a:rPr>
+                        <a:t>continuous from 86.6120.9. </a:t>
+                      </a:r>
                     </a:p>
                   </a:txBody>
                   <a:tcPr/>
@@ -5608,7 +6394,17 @@
                     <a:bodyPr/>
                     <a:lstStyle/>
                     <a:p>
-                      <a:endParaRPr lang="en-PH" sz="1400"/>
+                      <a:r>
+                        <a:rPr lang="en-PH" sz="1050" kern="1200" baseline="0" dirty="0" smtClean="0">
+                          <a:solidFill>
+                            <a:schemeClr val="dk1"/>
+                          </a:solidFill>
+                          <a:latin typeface="+mn-lt"/>
+                          <a:ea typeface="+mn-ea"/>
+                          <a:cs typeface="+mn-cs"/>
+                        </a:rPr>
+                        <a:t>23. peak-rpm </a:t>
+                      </a:r>
                     </a:p>
                   </a:txBody>
                   <a:tcPr/>
@@ -5618,7 +6414,25 @@
                     <a:bodyPr/>
                     <a:lstStyle/>
                     <a:p>
-                      <a:endParaRPr lang="en-PH" sz="1400" dirty="0"/>
+                      <a:r>
+                        <a:rPr lang="en-PH" sz="1050" kern="1200" baseline="0" dirty="0" smtClean="0">
+                          <a:solidFill>
+                            <a:schemeClr val="dk1"/>
+                          </a:solidFill>
+                          <a:latin typeface="+mn-lt"/>
+                          <a:ea typeface="+mn-ea"/>
+                          <a:cs typeface="+mn-cs"/>
+                        </a:rPr>
+                        <a:t>continuous from 4150 to 6600 </a:t>
+                      </a:r>
+                      <a:endParaRPr lang="en-PH" sz="1050" kern="1200" baseline="0" dirty="0">
+                        <a:solidFill>
+                          <a:schemeClr val="dk1"/>
+                        </a:solidFill>
+                        <a:latin typeface="+mn-lt"/>
+                        <a:ea typeface="+mn-ea"/>
+                        <a:cs typeface="+mn-cs"/>
+                      </a:endParaRPr>
                     </a:p>
                   </a:txBody>
                   <a:tcPr/>
@@ -5630,7 +6444,18 @@
                     <a:bodyPr/>
                     <a:lstStyle/>
                     <a:p>
-                      <a:endParaRPr lang="en-PH" sz="1400" dirty="0"/>
+                      <a:pPr marL="0" algn="l" defTabSz="914400" rtl="0" eaLnBrk="1" latinLnBrk="0" hangingPunct="1"/>
+                      <a:r>
+                        <a:rPr lang="en-PH" sz="1050" kern="1200" baseline="0" dirty="0" smtClean="0">
+                          <a:solidFill>
+                            <a:schemeClr val="dk1"/>
+                          </a:solidFill>
+                          <a:latin typeface="+mn-lt"/>
+                          <a:ea typeface="+mn-ea"/>
+                          <a:cs typeface="+mn-cs"/>
+                        </a:rPr>
+                        <a:t>11. length </a:t>
+                      </a:r>
                     </a:p>
                   </a:txBody>
                   <a:tcPr/>
@@ -5640,7 +6465,26 @@
                     <a:bodyPr/>
                     <a:lstStyle/>
                     <a:p>
-                      <a:endParaRPr lang="en-PH" sz="1400" dirty="0"/>
+                      <a:pPr marL="0" algn="l" defTabSz="914400" rtl="0" eaLnBrk="1" latinLnBrk="0" hangingPunct="1"/>
+                      <a:r>
+                        <a:rPr lang="en-PH" sz="1050" kern="1200" baseline="0" dirty="0" smtClean="0">
+                          <a:solidFill>
+                            <a:schemeClr val="dk1"/>
+                          </a:solidFill>
+                          <a:latin typeface="+mn-lt"/>
+                          <a:ea typeface="+mn-ea"/>
+                          <a:cs typeface="+mn-cs"/>
+                        </a:rPr>
+                        <a:t>continuous from 141.1 to 208.1. </a:t>
+                      </a:r>
+                      <a:endParaRPr lang="en-PH" sz="1050" kern="1200" baseline="0" dirty="0">
+                        <a:solidFill>
+                          <a:schemeClr val="dk1"/>
+                        </a:solidFill>
+                        <a:latin typeface="+mn-lt"/>
+                        <a:ea typeface="+mn-ea"/>
+                        <a:cs typeface="+mn-cs"/>
+                      </a:endParaRPr>
                     </a:p>
                   </a:txBody>
                   <a:tcPr/>
@@ -5650,7 +6494,17 @@
                     <a:bodyPr/>
                     <a:lstStyle/>
                     <a:p>
-                      <a:endParaRPr lang="en-PH" sz="1400" dirty="0"/>
+                      <a:r>
+                        <a:rPr lang="en-PH" sz="1050" kern="1200" baseline="0" dirty="0" smtClean="0">
+                          <a:solidFill>
+                            <a:schemeClr val="dk1"/>
+                          </a:solidFill>
+                          <a:latin typeface="+mn-lt"/>
+                          <a:ea typeface="+mn-ea"/>
+                          <a:cs typeface="+mn-cs"/>
+                        </a:rPr>
+                        <a:t>24. city-mpg </a:t>
+                      </a:r>
                     </a:p>
                   </a:txBody>
                   <a:tcPr/>
@@ -5660,7 +6514,25 @@
                     <a:bodyPr/>
                     <a:lstStyle/>
                     <a:p>
-                      <a:endParaRPr lang="en-PH" sz="1400" dirty="0"/>
+                      <a:r>
+                        <a:rPr lang="en-PH" sz="1050" kern="1200" baseline="0" dirty="0" smtClean="0">
+                          <a:solidFill>
+                            <a:schemeClr val="dk1"/>
+                          </a:solidFill>
+                          <a:latin typeface="+mn-lt"/>
+                          <a:ea typeface="+mn-ea"/>
+                          <a:cs typeface="+mn-cs"/>
+                        </a:rPr>
+                        <a:t>continuous from 13 to 49. </a:t>
+                      </a:r>
+                      <a:endParaRPr lang="en-PH" sz="1050" kern="1200" baseline="0" dirty="0">
+                        <a:solidFill>
+                          <a:schemeClr val="dk1"/>
+                        </a:solidFill>
+                        <a:latin typeface="+mn-lt"/>
+                        <a:ea typeface="+mn-ea"/>
+                        <a:cs typeface="+mn-cs"/>
+                      </a:endParaRPr>
                     </a:p>
                   </a:txBody>
                   <a:tcPr/>
@@ -5672,7 +6544,18 @@
                     <a:bodyPr/>
                     <a:lstStyle/>
                     <a:p>
-                      <a:endParaRPr lang="en-PH" sz="1400"/>
+                      <a:pPr marL="0" algn="l" defTabSz="914400" rtl="0" eaLnBrk="1" latinLnBrk="0" hangingPunct="1"/>
+                      <a:r>
+                        <a:rPr lang="en-PH" sz="1050" kern="1200" baseline="0" dirty="0" smtClean="0">
+                          <a:solidFill>
+                            <a:schemeClr val="dk1"/>
+                          </a:solidFill>
+                          <a:latin typeface="+mn-lt"/>
+                          <a:ea typeface="+mn-ea"/>
+                          <a:cs typeface="+mn-cs"/>
+                        </a:rPr>
+                        <a:t>12. width </a:t>
+                      </a:r>
                     </a:p>
                   </a:txBody>
                   <a:tcPr/>
@@ -5682,7 +6565,26 @@
                     <a:bodyPr/>
                     <a:lstStyle/>
                     <a:p>
-                      <a:endParaRPr lang="en-PH" sz="1400" dirty="0"/>
+                      <a:pPr marL="0" algn="l" defTabSz="914400" rtl="0" eaLnBrk="1" latinLnBrk="0" hangingPunct="1"/>
+                      <a:r>
+                        <a:rPr lang="en-PH" sz="1050" kern="1200" baseline="0" dirty="0" smtClean="0">
+                          <a:solidFill>
+                            <a:schemeClr val="dk1"/>
+                          </a:solidFill>
+                          <a:latin typeface="+mn-lt"/>
+                          <a:ea typeface="+mn-ea"/>
+                          <a:cs typeface="+mn-cs"/>
+                        </a:rPr>
+                        <a:t>continuous from 60.3 to 72.3. </a:t>
+                      </a:r>
+                      <a:endParaRPr lang="en-PH" sz="1050" kern="1200" baseline="0" dirty="0">
+                        <a:solidFill>
+                          <a:schemeClr val="dk1"/>
+                        </a:solidFill>
+                        <a:latin typeface="+mn-lt"/>
+                        <a:ea typeface="+mn-ea"/>
+                        <a:cs typeface="+mn-cs"/>
+                      </a:endParaRPr>
                     </a:p>
                   </a:txBody>
                   <a:tcPr/>
@@ -5692,7 +6594,17 @@
                     <a:bodyPr/>
                     <a:lstStyle/>
                     <a:p>
-                      <a:endParaRPr lang="en-PH" sz="1400"/>
+                      <a:r>
+                        <a:rPr lang="en-PH" sz="1050" kern="1200" baseline="0" dirty="0" smtClean="0">
+                          <a:solidFill>
+                            <a:schemeClr val="dk1"/>
+                          </a:solidFill>
+                          <a:latin typeface="+mn-lt"/>
+                          <a:ea typeface="+mn-ea"/>
+                          <a:cs typeface="+mn-cs"/>
+                        </a:rPr>
+                        <a:t>25. highway-mpg </a:t>
+                      </a:r>
                     </a:p>
                   </a:txBody>
                   <a:tcPr/>
@@ -5702,19 +6614,40 @@
                     <a:bodyPr/>
                     <a:lstStyle/>
                     <a:p>
-                      <a:endParaRPr lang="en-PH" sz="1400" dirty="0"/>
+                      <a:r>
+                        <a:rPr lang="en-PH" sz="1050" kern="1200" baseline="0" dirty="0" smtClean="0">
+                          <a:solidFill>
+                            <a:schemeClr val="dk1"/>
+                          </a:solidFill>
+                          <a:latin typeface="+mn-lt"/>
+                          <a:ea typeface="+mn-ea"/>
+                          <a:cs typeface="+mn-cs"/>
+                        </a:rPr>
+                        <a:t>continuous from 16 to 54. </a:t>
+                      </a:r>
                     </a:p>
                   </a:txBody>
                   <a:tcPr/>
                 </a:tc>
               </a:tr>
-              <a:tr h="273698">
+              <a:tr h="152400">
                 <a:tc>
                   <a:txBody>
                     <a:bodyPr/>
                     <a:lstStyle/>
                     <a:p>
-                      <a:endParaRPr lang="en-PH" sz="1400"/>
+                      <a:pPr marL="0" algn="l" defTabSz="914400" rtl="0" eaLnBrk="1" latinLnBrk="0" hangingPunct="1"/>
+                      <a:r>
+                        <a:rPr lang="en-PH" sz="1050" kern="1200" baseline="0" dirty="0" smtClean="0">
+                          <a:solidFill>
+                            <a:schemeClr val="dk1"/>
+                          </a:solidFill>
+                          <a:latin typeface="+mn-lt"/>
+                          <a:ea typeface="+mn-ea"/>
+                          <a:cs typeface="+mn-cs"/>
+                        </a:rPr>
+                        <a:t>13. height </a:t>
+                      </a:r>
                     </a:p>
                   </a:txBody>
                   <a:tcPr/>
@@ -5724,7 +6657,26 @@
                     <a:bodyPr/>
                     <a:lstStyle/>
                     <a:p>
-                      <a:endParaRPr lang="en-PH" sz="1400"/>
+                      <a:pPr marL="0" algn="l" defTabSz="914400" rtl="0" eaLnBrk="1" latinLnBrk="0" hangingPunct="1"/>
+                      <a:r>
+                        <a:rPr lang="en-PH" sz="1050" kern="1200" baseline="0" dirty="0" smtClean="0">
+                          <a:solidFill>
+                            <a:schemeClr val="dk1"/>
+                          </a:solidFill>
+                          <a:latin typeface="+mn-lt"/>
+                          <a:ea typeface="+mn-ea"/>
+                          <a:cs typeface="+mn-cs"/>
+                        </a:rPr>
+                        <a:t>continuous from 47.8 to 59.8. </a:t>
+                      </a:r>
+                      <a:endParaRPr lang="en-PH" sz="1050" kern="1200" baseline="0" dirty="0">
+                        <a:solidFill>
+                          <a:schemeClr val="dk1"/>
+                        </a:solidFill>
+                        <a:latin typeface="+mn-lt"/>
+                        <a:ea typeface="+mn-ea"/>
+                        <a:cs typeface="+mn-cs"/>
+                      </a:endParaRPr>
                     </a:p>
                   </a:txBody>
                   <a:tcPr/>
@@ -5734,7 +6686,17 @@
                     <a:bodyPr/>
                     <a:lstStyle/>
                     <a:p>
-                      <a:endParaRPr lang="en-PH" sz="1400"/>
+                      <a:r>
+                        <a:rPr lang="en-PH" sz="1050" kern="1200" baseline="0" dirty="0" smtClean="0">
+                          <a:solidFill>
+                            <a:schemeClr val="dk1"/>
+                          </a:solidFill>
+                          <a:latin typeface="+mn-lt"/>
+                          <a:ea typeface="+mn-ea"/>
+                          <a:cs typeface="+mn-cs"/>
+                        </a:rPr>
+                        <a:t>26. price </a:t>
+                      </a:r>
                     </a:p>
                   </a:txBody>
                   <a:tcPr/>
@@ -5744,91 +6706,17 @@
                     <a:bodyPr/>
                     <a:lstStyle/>
                     <a:p>
-                      <a:endParaRPr lang="en-PH" sz="1400" dirty="0"/>
-                    </a:p>
-                  </a:txBody>
-                  <a:tcPr/>
-                </a:tc>
-              </a:tr>
-              <a:tr h="273698">
-                <a:tc>
-                  <a:txBody>
-                    <a:bodyPr/>
-                    <a:lstStyle/>
-                    <a:p>
-                      <a:endParaRPr lang="en-PH" sz="1400" dirty="0"/>
-                    </a:p>
-                  </a:txBody>
-                  <a:tcPr/>
-                </a:tc>
-                <a:tc>
-                  <a:txBody>
-                    <a:bodyPr/>
-                    <a:lstStyle/>
-                    <a:p>
-                      <a:endParaRPr lang="en-PH" sz="1400"/>
-                    </a:p>
-                  </a:txBody>
-                  <a:tcPr/>
-                </a:tc>
-                <a:tc>
-                  <a:txBody>
-                    <a:bodyPr/>
-                    <a:lstStyle/>
-                    <a:p>
-                      <a:endParaRPr lang="en-PH" sz="1400"/>
-                    </a:p>
-                  </a:txBody>
-                  <a:tcPr/>
-                </a:tc>
-                <a:tc>
-                  <a:txBody>
-                    <a:bodyPr/>
-                    <a:lstStyle/>
-                    <a:p>
-                      <a:endParaRPr lang="en-PH" sz="1400"/>
-                    </a:p>
-                  </a:txBody>
-                  <a:tcPr/>
-                </a:tc>
-              </a:tr>
-              <a:tr h="273698">
-                <a:tc>
-                  <a:txBody>
-                    <a:bodyPr/>
-                    <a:lstStyle/>
-                    <a:p>
-                      <a:endParaRPr lang="en-PH" sz="1400"/>
-                    </a:p>
-                  </a:txBody>
-                  <a:tcPr/>
-                </a:tc>
-                <a:tc>
-                  <a:txBody>
-                    <a:bodyPr/>
-                    <a:lstStyle/>
-                    <a:p>
-                      <a:endParaRPr lang="en-PH" sz="1400" dirty="0"/>
-                    </a:p>
-                  </a:txBody>
-                  <a:tcPr/>
-                </a:tc>
-                <a:tc>
-                  <a:txBody>
-                    <a:bodyPr/>
-                    <a:lstStyle/>
-                    <a:p>
-                      <a:endParaRPr lang="en-PH" sz="1400" dirty="0"/>
-                    </a:p>
-                  </a:txBody>
-                  <a:tcPr/>
-                </a:tc>
-                <a:tc>
-                  <a:txBody>
-                    <a:bodyPr/>
-                    <a:lstStyle/>
-                    <a:p>
-                      <a:endParaRPr lang="en-PH" sz="1400" dirty="0"/>
+                      <a:r>
+                        <a:rPr lang="en-PH" sz="1050" kern="1200" baseline="0" dirty="0" smtClean="0">
+                          <a:solidFill>
+                            <a:schemeClr val="dk1"/>
+                          </a:solidFill>
+                          <a:latin typeface="+mn-lt"/>
+                          <a:ea typeface="+mn-ea"/>
+                          <a:cs typeface="+mn-cs"/>
+                        </a:rPr>
+                        <a:t>continuous from 5118 to 45400. </a:t>
+                      </a:r>
                     </a:p>
                   </a:txBody>
                   <a:tcPr/>
@@ -6386,11 +7274,6 @@
               </a:rPr>
               <a:t>.</a:t>
             </a:r>
-            <a:endParaRPr lang="en-PH" sz="2200" dirty="0" smtClean="0">
-              <a:solidFill>
-                <a:srgbClr val="0070C0"/>
-              </a:solidFill>
-            </a:endParaRPr>
           </a:p>
           <a:p>
             <a:r>
@@ -6411,15 +7294,7 @@
                   <a:srgbClr val="0070C0"/>
                 </a:solidFill>
               </a:rPr>
-              <a:t>most number of </a:t>
-            </a:r>
-            <a:r>
-              <a:rPr lang="en-PH" sz="2200" dirty="0" smtClean="0">
-                <a:solidFill>
-                  <a:srgbClr val="0070C0"/>
-                </a:solidFill>
-              </a:rPr>
-              <a:t>cars.</a:t>
+              <a:t>most number of cars.</a:t>
             </a:r>
             <a:endParaRPr lang="en-PH" sz="2200" dirty="0">
               <a:solidFill>
@@ -7159,23 +8034,7 @@
                   <a:srgbClr val="0070C0"/>
                 </a:solidFill>
               </a:rPr>
-              <a:t>popular </a:t>
-            </a:r>
-            <a:r>
-              <a:rPr lang="en-PH" sz="3200" b="1" dirty="0" smtClean="0">
-                <a:solidFill>
-                  <a:srgbClr val="0070C0"/>
-                </a:solidFill>
-              </a:rPr>
-              <a:t>b</a:t>
-            </a:r>
-            <a:r>
-              <a:rPr lang="en-PH" sz="3200" b="1" dirty="0" smtClean="0">
-                <a:solidFill>
-                  <a:srgbClr val="0070C0"/>
-                </a:solidFill>
-              </a:rPr>
-              <a:t>ody style</a:t>
+              <a:t>popular body style</a:t>
             </a:r>
             <a:r>
               <a:rPr lang="en-PH" sz="3200" dirty="0" smtClean="0"/>
@@ -7273,15 +8132,7 @@
                   <a:srgbClr val="0070C0"/>
                 </a:solidFill>
               </a:rPr>
-              <a:t> </a:t>
-            </a:r>
-            <a:r>
-              <a:rPr lang="en-PH" dirty="0" smtClean="0">
-                <a:solidFill>
-                  <a:srgbClr val="0070C0"/>
-                </a:solidFill>
-              </a:rPr>
-              <a:t>hatchback </a:t>
+              <a:t> hatchback </a:t>
             </a:r>
             <a:r>
               <a:rPr lang="en-PH" dirty="0" smtClean="0"/>
@@ -7311,13 +8162,8 @@
             </a:r>
             <a:r>
               <a:rPr lang="en-PH" dirty="0" smtClean="0"/>
-              <a:t>body </a:t>
-            </a:r>
-            <a:r>
-              <a:rPr lang="en-PH" dirty="0" smtClean="0"/>
-              <a:t>style.</a:t>
-            </a:r>
-            <a:endParaRPr lang="en-PH" dirty="0" smtClean="0"/>
+              <a:t>body style.</a:t>
+            </a:r>
           </a:p>
           <a:p>
             <a:endParaRPr lang="en-PH" dirty="0"/>
@@ -7513,15 +8359,7 @@
                   <a:srgbClr val="0070C0"/>
                 </a:solidFill>
               </a:rPr>
-              <a:t>positively </a:t>
-            </a:r>
-            <a:r>
-              <a:rPr lang="en-PH" dirty="0" smtClean="0">
-                <a:solidFill>
-                  <a:srgbClr val="0070C0"/>
-                </a:solidFill>
-              </a:rPr>
-              <a:t>correlated </a:t>
+              <a:t>positively correlated </a:t>
             </a:r>
             <a:r>
               <a:rPr lang="en-PH" dirty="0" smtClean="0"/>
@@ -7533,21 +8371,8 @@
                   <a:srgbClr val="0070C0"/>
                 </a:solidFill>
               </a:rPr>
-              <a:t>engine size, curb </a:t>
-            </a:r>
-            <a:r>
-              <a:rPr lang="en-PH" dirty="0" smtClean="0">
-                <a:solidFill>
-                  <a:srgbClr val="0070C0"/>
-                </a:solidFill>
-              </a:rPr>
-              <a:t>weight.</a:t>
-            </a:r>
-            <a:endParaRPr lang="en-PH" dirty="0" smtClean="0">
-              <a:solidFill>
-                <a:srgbClr val="0070C0"/>
-              </a:solidFill>
-            </a:endParaRPr>
+              <a:t>engine size, curb weight.</a:t>
+            </a:r>
           </a:p>
           <a:p>
             <a:r>
@@ -7580,21 +8405,8 @@
                   <a:srgbClr val="0070C0"/>
                 </a:solidFill>
               </a:rPr>
-              <a:t>engine size, length and </a:t>
-            </a:r>
-            <a:r>
-              <a:rPr lang="en-PH" dirty="0" smtClean="0">
-                <a:solidFill>
-                  <a:srgbClr val="0070C0"/>
-                </a:solidFill>
-              </a:rPr>
-              <a:t>width.</a:t>
-            </a:r>
-            <a:endParaRPr lang="en-PH" dirty="0" smtClean="0">
-              <a:solidFill>
-                <a:srgbClr val="0070C0"/>
-              </a:solidFill>
-            </a:endParaRPr>
+              <a:t>engine size, length and width.</a:t>
+            </a:r>
           </a:p>
           <a:p>
             <a:endParaRPr lang="en-PH" dirty="0"/>
@@ -7848,11 +8660,6 @@
               </a:rPr>
               <a:t>.</a:t>
             </a:r>
-            <a:endParaRPr lang="en-PH" dirty="0" smtClean="0">
-              <a:solidFill>
-                <a:srgbClr val="0070C0"/>
-              </a:solidFill>
-            </a:endParaRPr>
           </a:p>
           <a:p>
             <a:r>
@@ -7865,15 +8672,7 @@
                   <a:srgbClr val="0070C0"/>
                 </a:solidFill>
               </a:rPr>
-              <a:t>Premium Cars-20000+ Mid range-10000 to 20000 and Budget cars- less than </a:t>
-            </a:r>
-            <a:r>
-              <a:rPr lang="en-PH" dirty="0" smtClean="0">
-                <a:solidFill>
-                  <a:srgbClr val="0070C0"/>
-                </a:solidFill>
-              </a:rPr>
-              <a:t>10000.</a:t>
+              <a:t>Premium Cars-20000+ Mid range-10000 to 20000 and Budget cars- less than 10000.</a:t>
             </a:r>
           </a:p>
           <a:p>
@@ -7937,11 +8736,7 @@
             </a:r>
             <a:r>
               <a:rPr lang="en-PH" dirty="0" smtClean="0"/>
-              <a:t>, Plymouth and R</a:t>
-            </a:r>
-            <a:r>
-              <a:rPr lang="en-PH" dirty="0" smtClean="0"/>
-              <a:t>enault.</a:t>
+              <a:t>, Plymouth and Renault.</a:t>
             </a:r>
             <a:endParaRPr lang="en-PH" dirty="0"/>
           </a:p>
